--- a/figures/FigS06.pptx
+++ b/figures/FigS06.pptx
@@ -8387,90 +8387,6 @@
     </a:lvl9pPr>
   </p:notesStyle>
 </p:notesMaster>
-</file>
-
-<file path=ppt/notesSlides/notesSlide1.xml><?xml version="1.0" encoding="utf-8"?>
-<p:notes xmlns:a="http://schemas.openxmlformats.org/drawingml/2006/main" xmlns:r="http://schemas.openxmlformats.org/officeDocument/2006/relationships" xmlns:p="http://schemas.openxmlformats.org/presentationml/2006/main">
-  <p:cSld>
-    <p:spTree>
-      <p:nvGrpSpPr>
-        <p:cNvPr id="1" name=""/>
-        <p:cNvGrpSpPr/>
-        <p:nvPr/>
-      </p:nvGrpSpPr>
-      <p:grpSpPr>
-        <a:xfrm>
-          <a:off x="0" y="0"/>
-          <a:ext cx="0" cy="0"/>
-          <a:chOff x="0" y="0"/>
-          <a:chExt cx="0" cy="0"/>
-        </a:xfrm>
-      </p:grpSpPr>
-      <p:sp>
-        <p:nvSpPr>
-          <p:cNvPr id="2" name="スライド イメージ プレースホルダー 1"/>
-          <p:cNvSpPr>
-            <a:spLocks noGrp="1" noRot="1" noChangeAspect="1"/>
-          </p:cNvSpPr>
-          <p:nvPr>
-            <p:ph type="sldImg"/>
-          </p:nvPr>
-        </p:nvSpPr>
-        <p:spPr/>
-      </p:sp>
-      <p:sp>
-        <p:nvSpPr>
-          <p:cNvPr id="3" name="ノート プレースホルダー 2"/>
-          <p:cNvSpPr>
-            <a:spLocks noGrp="1"/>
-          </p:cNvSpPr>
-          <p:nvPr>
-            <p:ph type="body" idx="1"/>
-          </p:nvPr>
-        </p:nvSpPr>
-        <p:spPr/>
-        <p:txBody>
-          <a:bodyPr/>
-          <a:lstStyle/>
-          <a:p>
-            <a:endParaRPr kumimoji="1" lang="ja-JP" altLang="en-US"/>
-          </a:p>
-        </p:txBody>
-      </p:sp>
-      <p:sp>
-        <p:nvSpPr>
-          <p:cNvPr id="4" name="スライド番号プレースホルダー 3"/>
-          <p:cNvSpPr>
-            <a:spLocks noGrp="1"/>
-          </p:cNvSpPr>
-          <p:nvPr>
-            <p:ph type="sldNum" sz="quarter" idx="5"/>
-          </p:nvPr>
-        </p:nvSpPr>
-        <p:spPr/>
-        <p:txBody>
-          <a:bodyPr/>
-          <a:lstStyle/>
-          <a:p>
-            <a:fld id="{BBD3E7A2-0A2E-E943-9AAA-8BAD30DF95BD}" type="slidenum">
-              <a:rPr kumimoji="1" lang="ja-JP" altLang="en-US" smtClean="0"/>
-              <a:t>1</a:t>
-            </a:fld>
-            <a:endParaRPr kumimoji="1" lang="ja-JP" altLang="en-US"/>
-          </a:p>
-        </p:txBody>
-      </p:sp>
-    </p:spTree>
-    <p:extLst>
-      <p:ext uri="{BB962C8B-B14F-4D97-AF65-F5344CB8AC3E}">
-        <p14:creationId xmlns:p14="http://schemas.microsoft.com/office/powerpoint/2010/main" val="1922875134"/>
-      </p:ext>
-    </p:extLst>
-  </p:cSld>
-  <p:clrMapOvr>
-    <a:masterClrMapping/>
-  </p:clrMapOvr>
-</p:notes>
 </file>
 
 <file path=ppt/slideLayouts/slideLayout1.xml><?xml version="1.0" encoding="utf-8"?>
@@ -11802,7 +11718,7 @@
         </p:nvSpPr>
         <p:spPr>
           <a:xfrm>
-            <a:off x="9852" y="1891143"/>
+            <a:off x="9852" y="1897280"/>
             <a:ext cx="2222030" cy="1761061"/>
           </a:xfrm>
           <a:prstGeom prst="rect">
@@ -11855,7 +11771,7 @@
         </p:nvSpPr>
         <p:spPr>
           <a:xfrm>
-            <a:off x="2235592" y="1894649"/>
+            <a:off x="2235592" y="1900786"/>
             <a:ext cx="4530813" cy="1758893"/>
           </a:xfrm>
           <a:prstGeom prst="rect">
@@ -11909,7 +11825,7 @@
         </p:nvSpPr>
         <p:spPr>
           <a:xfrm>
-            <a:off x="9852" y="3655612"/>
+            <a:off x="9852" y="3661749"/>
             <a:ext cx="2222030" cy="1749897"/>
           </a:xfrm>
           <a:prstGeom prst="rect">
@@ -11963,7 +11879,7 @@
         </p:nvSpPr>
         <p:spPr>
           <a:xfrm>
-            <a:off x="2235060" y="3657884"/>
+            <a:off x="2235060" y="3664021"/>
             <a:ext cx="2345787" cy="1749897"/>
           </a:xfrm>
           <a:prstGeom prst="rect">
@@ -12142,7 +12058,7 @@
         </p:nvSpPr>
         <p:spPr>
           <a:xfrm>
-            <a:off x="38528" y="1905233"/>
+            <a:off x="38528" y="1952426"/>
             <a:ext cx="569387" cy="246221"/>
           </a:xfrm>
           <a:prstGeom prst="rect">
@@ -12338,6 +12254,246 @@
           </a:p>
         </p:txBody>
       </p:sp>
+      <p:pic>
+        <p:nvPicPr>
+          <p:cNvPr id="3" name="図 2">
+            <a:extLst>
+              <a:ext uri="{FF2B5EF4-FFF2-40B4-BE49-F238E27FC236}">
+                <a16:creationId xmlns:a16="http://schemas.microsoft.com/office/drawing/2014/main" id="{9328FFEA-9C2A-B2EC-D2FC-E6222F2BCA31}"/>
+              </a:ext>
+            </a:extLst>
+          </p:cNvPr>
+          <p:cNvPicPr>
+            <a:picLocks noChangeAspect="1"/>
+          </p:cNvPicPr>
+          <p:nvPr/>
+        </p:nvPicPr>
+        <p:blipFill>
+          <a:blip r:embed="rId2"/>
+          <a:stretch>
+            <a:fillRect/>
+          </a:stretch>
+        </p:blipFill>
+        <p:spPr>
+          <a:xfrm>
+            <a:off x="96891" y="389820"/>
+            <a:ext cx="2087220" cy="1391480"/>
+          </a:xfrm>
+          <a:prstGeom prst="rect">
+            <a:avLst/>
+          </a:prstGeom>
+        </p:spPr>
+      </p:pic>
+      <p:pic>
+        <p:nvPicPr>
+          <p:cNvPr id="5" name="図 4">
+            <a:extLst>
+              <a:ext uri="{FF2B5EF4-FFF2-40B4-BE49-F238E27FC236}">
+                <a16:creationId xmlns:a16="http://schemas.microsoft.com/office/drawing/2014/main" id="{3EEFFC98-CBE5-4115-E14D-415CA171EA9C}"/>
+              </a:ext>
+            </a:extLst>
+          </p:cNvPr>
+          <p:cNvPicPr>
+            <a:picLocks noChangeAspect="1"/>
+          </p:cNvPicPr>
+          <p:nvPr/>
+        </p:nvPicPr>
+        <p:blipFill>
+          <a:blip r:embed="rId3"/>
+          <a:stretch>
+            <a:fillRect/>
+          </a:stretch>
+        </p:blipFill>
+        <p:spPr>
+          <a:xfrm>
+            <a:off x="2344807" y="389820"/>
+            <a:ext cx="2087220" cy="1391480"/>
+          </a:xfrm>
+          <a:prstGeom prst="rect">
+            <a:avLst/>
+          </a:prstGeom>
+        </p:spPr>
+      </p:pic>
+      <p:pic>
+        <p:nvPicPr>
+          <p:cNvPr id="7" name="図 6">
+            <a:extLst>
+              <a:ext uri="{FF2B5EF4-FFF2-40B4-BE49-F238E27FC236}">
+                <a16:creationId xmlns:a16="http://schemas.microsoft.com/office/drawing/2014/main" id="{5E54294D-C4DC-E08B-E861-E3435EB9A8A2}"/>
+              </a:ext>
+            </a:extLst>
+          </p:cNvPr>
+          <p:cNvPicPr>
+            <a:picLocks noChangeAspect="1"/>
+          </p:cNvPicPr>
+          <p:nvPr/>
+        </p:nvPicPr>
+        <p:blipFill>
+          <a:blip r:embed="rId4"/>
+          <a:stretch>
+            <a:fillRect/>
+          </a:stretch>
+        </p:blipFill>
+        <p:spPr>
+          <a:xfrm>
+            <a:off x="4580848" y="389820"/>
+            <a:ext cx="2087220" cy="1391480"/>
+          </a:xfrm>
+          <a:prstGeom prst="rect">
+            <a:avLst/>
+          </a:prstGeom>
+        </p:spPr>
+      </p:pic>
+      <p:pic>
+        <p:nvPicPr>
+          <p:cNvPr id="9" name="図 8">
+            <a:extLst>
+              <a:ext uri="{FF2B5EF4-FFF2-40B4-BE49-F238E27FC236}">
+                <a16:creationId xmlns:a16="http://schemas.microsoft.com/office/drawing/2014/main" id="{3F1A14CF-1F2D-2435-F7EE-20E202B0AA28}"/>
+              </a:ext>
+            </a:extLst>
+          </p:cNvPr>
+          <p:cNvPicPr>
+            <a:picLocks noChangeAspect="1"/>
+          </p:cNvPicPr>
+          <p:nvPr/>
+        </p:nvPicPr>
+        <p:blipFill>
+          <a:blip r:embed="rId5"/>
+          <a:stretch>
+            <a:fillRect/>
+          </a:stretch>
+        </p:blipFill>
+        <p:spPr>
+          <a:xfrm>
+            <a:off x="91595" y="2153585"/>
+            <a:ext cx="2087220" cy="1391480"/>
+          </a:xfrm>
+          <a:prstGeom prst="rect">
+            <a:avLst/>
+          </a:prstGeom>
+        </p:spPr>
+      </p:pic>
+      <p:pic>
+        <p:nvPicPr>
+          <p:cNvPr id="11" name="図 10">
+            <a:extLst>
+              <a:ext uri="{FF2B5EF4-FFF2-40B4-BE49-F238E27FC236}">
+                <a16:creationId xmlns:a16="http://schemas.microsoft.com/office/drawing/2014/main" id="{54DF0B5B-D862-B240-E9D1-B3893B03E2E4}"/>
+              </a:ext>
+            </a:extLst>
+          </p:cNvPr>
+          <p:cNvPicPr>
+            <a:picLocks noChangeAspect="1"/>
+          </p:cNvPicPr>
+          <p:nvPr/>
+        </p:nvPicPr>
+        <p:blipFill>
+          <a:blip r:embed="rId6"/>
+          <a:stretch>
+            <a:fillRect/>
+          </a:stretch>
+        </p:blipFill>
+        <p:spPr>
+          <a:xfrm>
+            <a:off x="2343006" y="2149363"/>
+            <a:ext cx="2087220" cy="1391480"/>
+          </a:xfrm>
+          <a:prstGeom prst="rect">
+            <a:avLst/>
+          </a:prstGeom>
+        </p:spPr>
+      </p:pic>
+      <p:pic>
+        <p:nvPicPr>
+          <p:cNvPr id="13" name="図 12">
+            <a:extLst>
+              <a:ext uri="{FF2B5EF4-FFF2-40B4-BE49-F238E27FC236}">
+                <a16:creationId xmlns:a16="http://schemas.microsoft.com/office/drawing/2014/main" id="{141DFD95-EE8B-0245-5476-FC58DE335721}"/>
+              </a:ext>
+            </a:extLst>
+          </p:cNvPr>
+          <p:cNvPicPr>
+            <a:picLocks noChangeAspect="1"/>
+          </p:cNvPicPr>
+          <p:nvPr/>
+        </p:nvPicPr>
+        <p:blipFill>
+          <a:blip r:embed="rId7"/>
+          <a:stretch>
+            <a:fillRect/>
+          </a:stretch>
+        </p:blipFill>
+        <p:spPr>
+          <a:xfrm>
+            <a:off x="4580848" y="2149363"/>
+            <a:ext cx="2087220" cy="1391480"/>
+          </a:xfrm>
+          <a:prstGeom prst="rect">
+            <a:avLst/>
+          </a:prstGeom>
+        </p:spPr>
+      </p:pic>
+      <p:pic>
+        <p:nvPicPr>
+          <p:cNvPr id="15" name="図 14">
+            <a:extLst>
+              <a:ext uri="{FF2B5EF4-FFF2-40B4-BE49-F238E27FC236}">
+                <a16:creationId xmlns:a16="http://schemas.microsoft.com/office/drawing/2014/main" id="{4AA438EB-B520-D4DD-7182-A8E594B6A932}"/>
+              </a:ext>
+            </a:extLst>
+          </p:cNvPr>
+          <p:cNvPicPr>
+            <a:picLocks noChangeAspect="1"/>
+          </p:cNvPicPr>
+          <p:nvPr/>
+        </p:nvPicPr>
+        <p:blipFill>
+          <a:blip r:embed="rId8"/>
+          <a:stretch>
+            <a:fillRect/>
+          </a:stretch>
+        </p:blipFill>
+        <p:spPr>
+          <a:xfrm>
+            <a:off x="91595" y="3917350"/>
+            <a:ext cx="2087220" cy="1391480"/>
+          </a:xfrm>
+          <a:prstGeom prst="rect">
+            <a:avLst/>
+          </a:prstGeom>
+        </p:spPr>
+      </p:pic>
+      <p:pic>
+        <p:nvPicPr>
+          <p:cNvPr id="17" name="図 16">
+            <a:extLst>
+              <a:ext uri="{FF2B5EF4-FFF2-40B4-BE49-F238E27FC236}">
+                <a16:creationId xmlns:a16="http://schemas.microsoft.com/office/drawing/2014/main" id="{EE18242D-668D-D2D7-09B8-B686E81E4E75}"/>
+              </a:ext>
+            </a:extLst>
+          </p:cNvPr>
+          <p:cNvPicPr>
+            <a:picLocks noChangeAspect="1"/>
+          </p:cNvPicPr>
+          <p:nvPr/>
+        </p:nvPicPr>
+        <p:blipFill>
+          <a:blip r:embed="rId9"/>
+          <a:stretch>
+            <a:fillRect/>
+          </a:stretch>
+        </p:blipFill>
+        <p:spPr>
+          <a:xfrm>
+            <a:off x="2343006" y="3917350"/>
+            <a:ext cx="2087220" cy="1391480"/>
+          </a:xfrm>
+          <a:prstGeom prst="rect">
+            <a:avLst/>
+          </a:prstGeom>
+        </p:spPr>
+      </p:pic>
       <p:sp>
         <p:nvSpPr>
           <p:cNvPr id="18" name="テキスト ボックス 17">
@@ -12380,222 +12536,54 @@
           </a:p>
         </p:txBody>
       </p:sp>
-      <p:pic>
-        <p:nvPicPr>
-          <p:cNvPr id="4" name="図 3">
+      <p:sp>
+        <p:nvSpPr>
+          <p:cNvPr id="19" name="テキスト ボックス 18">
             <a:extLst>
               <a:ext uri="{FF2B5EF4-FFF2-40B4-BE49-F238E27FC236}">
-                <a16:creationId xmlns:a16="http://schemas.microsoft.com/office/drawing/2014/main" id="{9DAF3149-44CA-1426-5F87-7C53170B0DED}"/>
+                <a16:creationId xmlns:a16="http://schemas.microsoft.com/office/drawing/2014/main" id="{4432C1AA-BA0E-8423-FE21-777004E3403B}"/>
               </a:ext>
             </a:extLst>
           </p:cNvPr>
-          <p:cNvPicPr>
-            <a:picLocks noChangeAspect="1"/>
-          </p:cNvPicPr>
+          <p:cNvSpPr txBox="1"/>
           <p:nvPr/>
-        </p:nvPicPr>
-        <p:blipFill>
-          <a:blip r:embed="rId3"/>
-          <a:stretch>
-            <a:fillRect/>
-          </a:stretch>
-        </p:blipFill>
+        </p:nvSpPr>
         <p:spPr>
           <a:xfrm>
-            <a:off x="91595" y="413828"/>
-            <a:ext cx="2087220" cy="1391480"/>
+            <a:off x="2229833" y="5459662"/>
+            <a:ext cx="503664" cy="246221"/>
           </a:xfrm>
           <a:prstGeom prst="rect">
             <a:avLst/>
           </a:prstGeom>
+          <a:noFill/>
         </p:spPr>
-      </p:pic>
+        <p:txBody>
+          <a:bodyPr wrap="none" rtlCol="0">
+            <a:spAutoFit/>
+          </a:bodyPr>
+          <a:lstStyle/>
+          <a:p>
+            <a:r>
+              <a:rPr kumimoji="1" lang="en-US" altLang="ja-JP" sz="1000" dirty="0">
+                <a:latin typeface="Arial" panose="020B0604020202020204" pitchFamily="34" charset="0"/>
+                <a:cs typeface="Arial" panose="020B0604020202020204" pitchFamily="34" charset="0"/>
+              </a:rPr>
+              <a:t>2M99</a:t>
+            </a:r>
+            <a:endParaRPr kumimoji="1" lang="ja-JP" altLang="en-US" sz="1000">
+              <a:latin typeface="Arial" panose="020B0604020202020204" pitchFamily="34" charset="0"/>
+              <a:cs typeface="Arial" panose="020B0604020202020204" pitchFamily="34" charset="0"/>
+            </a:endParaRPr>
+          </a:p>
+        </p:txBody>
+      </p:sp>
       <p:pic>
         <p:nvPicPr>
-          <p:cNvPr id="8" name="図 7">
+          <p:cNvPr id="21" name="図 20">
             <a:extLst>
               <a:ext uri="{FF2B5EF4-FFF2-40B4-BE49-F238E27FC236}">
-                <a16:creationId xmlns:a16="http://schemas.microsoft.com/office/drawing/2014/main" id="{6562826D-1361-C304-6DD3-B9DE45F3673E}"/>
-              </a:ext>
-            </a:extLst>
-          </p:cNvPr>
-          <p:cNvPicPr>
-            <a:picLocks noChangeAspect="1"/>
-          </p:cNvPicPr>
-          <p:nvPr/>
-        </p:nvPicPr>
-        <p:blipFill>
-          <a:blip r:embed="rId4"/>
-          <a:stretch>
-            <a:fillRect/>
-          </a:stretch>
-        </p:blipFill>
-        <p:spPr>
-          <a:xfrm>
-            <a:off x="2339296" y="413828"/>
-            <a:ext cx="2087220" cy="1391480"/>
-          </a:xfrm>
-          <a:prstGeom prst="rect">
-            <a:avLst/>
-          </a:prstGeom>
-        </p:spPr>
-      </p:pic>
-      <p:pic>
-        <p:nvPicPr>
-          <p:cNvPr id="12" name="図 11">
-            <a:extLst>
-              <a:ext uri="{FF2B5EF4-FFF2-40B4-BE49-F238E27FC236}">
-                <a16:creationId xmlns:a16="http://schemas.microsoft.com/office/drawing/2014/main" id="{43637903-A7E7-3402-B83D-1D81030D86C0}"/>
-              </a:ext>
-            </a:extLst>
-          </p:cNvPr>
-          <p:cNvPicPr>
-            <a:picLocks noChangeAspect="1"/>
-          </p:cNvPicPr>
-          <p:nvPr/>
-        </p:nvPicPr>
-        <p:blipFill>
-          <a:blip r:embed="rId5"/>
-          <a:stretch>
-            <a:fillRect/>
-          </a:stretch>
-        </p:blipFill>
-        <p:spPr>
-          <a:xfrm>
-            <a:off x="4552851" y="402378"/>
-            <a:ext cx="2087220" cy="1391480"/>
-          </a:xfrm>
-          <a:prstGeom prst="rect">
-            <a:avLst/>
-          </a:prstGeom>
-        </p:spPr>
-      </p:pic>
-      <p:pic>
-        <p:nvPicPr>
-          <p:cNvPr id="22" name="図 21">
-            <a:extLst>
-              <a:ext uri="{FF2B5EF4-FFF2-40B4-BE49-F238E27FC236}">
-                <a16:creationId xmlns:a16="http://schemas.microsoft.com/office/drawing/2014/main" id="{6C6E9B44-016F-BD52-C712-67407D7ED100}"/>
-              </a:ext>
-            </a:extLst>
-          </p:cNvPr>
-          <p:cNvPicPr>
-            <a:picLocks noChangeAspect="1"/>
-          </p:cNvPicPr>
-          <p:nvPr/>
-        </p:nvPicPr>
-        <p:blipFill>
-          <a:blip r:embed="rId6"/>
-          <a:stretch>
-            <a:fillRect/>
-          </a:stretch>
-        </p:blipFill>
-        <p:spPr>
-          <a:xfrm>
-            <a:off x="2339296" y="2153061"/>
-            <a:ext cx="2119470" cy="1412980"/>
-          </a:xfrm>
-          <a:prstGeom prst="rect">
-            <a:avLst/>
-          </a:prstGeom>
-        </p:spPr>
-      </p:pic>
-      <p:pic>
-        <p:nvPicPr>
-          <p:cNvPr id="24" name="図 23">
-            <a:extLst>
-              <a:ext uri="{FF2B5EF4-FFF2-40B4-BE49-F238E27FC236}">
-                <a16:creationId xmlns:a16="http://schemas.microsoft.com/office/drawing/2014/main" id="{94055074-A94E-68B2-8E28-AD3350E5D8DD}"/>
-              </a:ext>
-            </a:extLst>
-          </p:cNvPr>
-          <p:cNvPicPr>
-            <a:picLocks noChangeAspect="1"/>
-          </p:cNvPicPr>
-          <p:nvPr/>
-        </p:nvPicPr>
-        <p:blipFill>
-          <a:blip r:embed="rId7"/>
-          <a:stretch>
-            <a:fillRect/>
-          </a:stretch>
-        </p:blipFill>
-        <p:spPr>
-          <a:xfrm>
-            <a:off x="93372" y="2172170"/>
-            <a:ext cx="2085443" cy="1364891"/>
-          </a:xfrm>
-          <a:prstGeom prst="rect">
-            <a:avLst/>
-          </a:prstGeom>
-        </p:spPr>
-      </p:pic>
-      <p:pic>
-        <p:nvPicPr>
-          <p:cNvPr id="26" name="図 25">
-            <a:extLst>
-              <a:ext uri="{FF2B5EF4-FFF2-40B4-BE49-F238E27FC236}">
-                <a16:creationId xmlns:a16="http://schemas.microsoft.com/office/drawing/2014/main" id="{9113B537-ADE2-5E7A-23BC-7151C6242FB0}"/>
-              </a:ext>
-            </a:extLst>
-          </p:cNvPr>
-          <p:cNvPicPr>
-            <a:picLocks noChangeAspect="1"/>
-          </p:cNvPicPr>
-          <p:nvPr/>
-        </p:nvPicPr>
-        <p:blipFill>
-          <a:blip r:embed="rId8"/>
-          <a:stretch>
-            <a:fillRect/>
-          </a:stretch>
-        </p:blipFill>
-        <p:spPr>
-          <a:xfrm>
-            <a:off x="4568972" y="2146766"/>
-            <a:ext cx="2119470" cy="1412980"/>
-          </a:xfrm>
-          <a:prstGeom prst="rect">
-            <a:avLst/>
-          </a:prstGeom>
-        </p:spPr>
-      </p:pic>
-      <p:pic>
-        <p:nvPicPr>
-          <p:cNvPr id="29" name="図 28">
-            <a:extLst>
-              <a:ext uri="{FF2B5EF4-FFF2-40B4-BE49-F238E27FC236}">
-                <a16:creationId xmlns:a16="http://schemas.microsoft.com/office/drawing/2014/main" id="{9299C58A-B1B3-A502-E89F-9FC368CA4F76}"/>
-              </a:ext>
-            </a:extLst>
-          </p:cNvPr>
-          <p:cNvPicPr>
-            <a:picLocks noChangeAspect="1"/>
-          </p:cNvPicPr>
-          <p:nvPr/>
-        </p:nvPicPr>
-        <p:blipFill>
-          <a:blip r:embed="rId9"/>
-          <a:stretch>
-            <a:fillRect/>
-          </a:stretch>
-        </p:blipFill>
-        <p:spPr>
-          <a:xfrm>
-            <a:off x="79720" y="3917350"/>
-            <a:ext cx="2100790" cy="1374936"/>
-          </a:xfrm>
-          <a:prstGeom prst="rect">
-            <a:avLst/>
-          </a:prstGeom>
-        </p:spPr>
-      </p:pic>
-      <p:pic>
-        <p:nvPicPr>
-          <p:cNvPr id="34" name="図 33">
-            <a:extLst>
-              <a:ext uri="{FF2B5EF4-FFF2-40B4-BE49-F238E27FC236}">
-                <a16:creationId xmlns:a16="http://schemas.microsoft.com/office/drawing/2014/main" id="{F108DBCB-4266-D805-C45E-F076B164419C}"/>
+                <a16:creationId xmlns:a16="http://schemas.microsoft.com/office/drawing/2014/main" id="{70A1C5B8-24CF-FD4F-1EE2-49BF5E1FED9B}"/>
               </a:ext>
             </a:extLst>
           </p:cNvPr>
@@ -12612,8 +12600,8 @@
         </p:blipFill>
         <p:spPr>
           <a:xfrm>
-            <a:off x="2342347" y="3912582"/>
-            <a:ext cx="2096044" cy="1397363"/>
+            <a:off x="91595" y="5705883"/>
+            <a:ext cx="2087220" cy="1391480"/>
           </a:xfrm>
           <a:prstGeom prst="rect">
             <a:avLst/>
@@ -12622,10 +12610,10 @@
       </p:pic>
       <p:pic>
         <p:nvPicPr>
-          <p:cNvPr id="36" name="図 35">
+          <p:cNvPr id="23" name="図 22">
             <a:extLst>
               <a:ext uri="{FF2B5EF4-FFF2-40B4-BE49-F238E27FC236}">
-                <a16:creationId xmlns:a16="http://schemas.microsoft.com/office/drawing/2014/main" id="{19EE717F-F4B4-EF85-E604-5CF1D106AACF}"/>
+                <a16:creationId xmlns:a16="http://schemas.microsoft.com/office/drawing/2014/main" id="{618381D7-2D8D-2525-3E74-23395B84DEFF}"/>
               </a:ext>
             </a:extLst>
           </p:cNvPr>
@@ -12642,8 +12630,8 @@
         </p:blipFill>
         <p:spPr>
           <a:xfrm>
-            <a:off x="79720" y="5695022"/>
-            <a:ext cx="2214368" cy="1476245"/>
+            <a:off x="2343006" y="5705883"/>
+            <a:ext cx="2087220" cy="1391480"/>
           </a:xfrm>
           <a:prstGeom prst="rect">
             <a:avLst/>
@@ -12655,7 +12643,7 @@
           <p:cNvPr id="2" name="テキスト ボックス 1">
             <a:extLst>
               <a:ext uri="{FF2B5EF4-FFF2-40B4-BE49-F238E27FC236}">
-                <a16:creationId xmlns:a16="http://schemas.microsoft.com/office/drawing/2014/main" id="{F0772876-0FF1-4AB6-3733-5F804E83183E}"/>
+                <a16:creationId xmlns:a16="http://schemas.microsoft.com/office/drawing/2014/main" id="{D1EA848C-A801-A6E0-6CF9-806162264267}"/>
               </a:ext>
             </a:extLst>
           </p:cNvPr>
@@ -12664,8 +12652,8 @@
         </p:nvSpPr>
         <p:spPr>
           <a:xfrm>
-            <a:off x="1644639" y="236758"/>
-            <a:ext cx="636713" cy="215444"/>
+            <a:off x="1467210" y="200426"/>
+            <a:ext cx="821059" cy="215444"/>
           </a:xfrm>
           <a:prstGeom prst="rect">
             <a:avLst/>
@@ -12679,25 +12667,18 @@
           <a:lstStyle/>
           <a:p>
             <a:r>
+              <a:rPr lang="en-US" altLang="ja-JP" sz="800" dirty="0">
+                <a:latin typeface="Arial" panose="020B0604020202020204" pitchFamily="34" charset="0"/>
+                <a:cs typeface="Arial" panose="020B0604020202020204" pitchFamily="34" charset="0"/>
+              </a:rPr>
+              <a:t>d</a:t>
+            </a:r>
+            <a:r>
               <a:rPr kumimoji="1" lang="en-US" altLang="ja-JP" sz="800" dirty="0">
                 <a:latin typeface="Arial" panose="020B0604020202020204" pitchFamily="34" charset="0"/>
                 <a:cs typeface="Arial" panose="020B0604020202020204" pitchFamily="34" charset="0"/>
               </a:rPr>
-              <a:t>RMSD [</a:t>
-            </a:r>
-            <a:r>
-              <a:rPr kumimoji="1" lang="en-US" altLang="ja-JP" sz="800" dirty="0" err="1">
-                <a:latin typeface="Arial" panose="020B0604020202020204" pitchFamily="34" charset="0"/>
-                <a:cs typeface="Arial" panose="020B0604020202020204" pitchFamily="34" charset="0"/>
-              </a:rPr>
-              <a:t>Å</a:t>
-            </a:r>
-            <a:r>
-              <a:rPr kumimoji="1" lang="en-US" altLang="ja-JP" sz="800" dirty="0">
-                <a:latin typeface="Arial" panose="020B0604020202020204" pitchFamily="34" charset="0"/>
-                <a:cs typeface="Arial" panose="020B0604020202020204" pitchFamily="34" charset="0"/>
-              </a:rPr>
-              <a:t>]</a:t>
+              <a:t>ocking score</a:t>
             </a:r>
             <a:endParaRPr kumimoji="1" lang="ja-JP" altLang="en-US" sz="800">
               <a:latin typeface="Arial" panose="020B0604020202020204" pitchFamily="34" charset="0"/>
@@ -12708,10 +12689,10 @@
       </p:sp>
       <p:sp>
         <p:nvSpPr>
-          <p:cNvPr id="3" name="テキスト ボックス 2">
+          <p:cNvPr id="4" name="テキスト ボックス 3">
             <a:extLst>
               <a:ext uri="{FF2B5EF4-FFF2-40B4-BE49-F238E27FC236}">
-                <a16:creationId xmlns:a16="http://schemas.microsoft.com/office/drawing/2014/main" id="{4360640D-7B17-BBC8-A3A6-CC4345B19F33}"/>
+                <a16:creationId xmlns:a16="http://schemas.microsoft.com/office/drawing/2014/main" id="{EFE0410A-1670-0FBA-8EC7-CFB5A99DB946}"/>
               </a:ext>
             </a:extLst>
           </p:cNvPr>
@@ -12720,8 +12701,8 @@
         </p:nvSpPr>
         <p:spPr>
           <a:xfrm>
-            <a:off x="3900520" y="236758"/>
-            <a:ext cx="636713" cy="215444"/>
+            <a:off x="3697649" y="200426"/>
+            <a:ext cx="821059" cy="215444"/>
           </a:xfrm>
           <a:prstGeom prst="rect">
             <a:avLst/>
@@ -12735,25 +12716,18 @@
           <a:lstStyle/>
           <a:p>
             <a:r>
+              <a:rPr lang="en-US" altLang="ja-JP" sz="800" dirty="0">
+                <a:latin typeface="Arial" panose="020B0604020202020204" pitchFamily="34" charset="0"/>
+                <a:cs typeface="Arial" panose="020B0604020202020204" pitchFamily="34" charset="0"/>
+              </a:rPr>
+              <a:t>d</a:t>
+            </a:r>
+            <a:r>
               <a:rPr kumimoji="1" lang="en-US" altLang="ja-JP" sz="800" dirty="0">
                 <a:latin typeface="Arial" panose="020B0604020202020204" pitchFamily="34" charset="0"/>
                 <a:cs typeface="Arial" panose="020B0604020202020204" pitchFamily="34" charset="0"/>
               </a:rPr>
-              <a:t>RMSD [</a:t>
-            </a:r>
-            <a:r>
-              <a:rPr kumimoji="1" lang="en-US" altLang="ja-JP" sz="800" dirty="0" err="1">
-                <a:latin typeface="Arial" panose="020B0604020202020204" pitchFamily="34" charset="0"/>
-                <a:cs typeface="Arial" panose="020B0604020202020204" pitchFamily="34" charset="0"/>
-              </a:rPr>
-              <a:t>Å</a:t>
-            </a:r>
-            <a:r>
-              <a:rPr kumimoji="1" lang="en-US" altLang="ja-JP" sz="800" dirty="0">
-                <a:latin typeface="Arial" panose="020B0604020202020204" pitchFamily="34" charset="0"/>
-                <a:cs typeface="Arial" panose="020B0604020202020204" pitchFamily="34" charset="0"/>
-              </a:rPr>
-              <a:t>]</a:t>
+              <a:t>ocking score</a:t>
             </a:r>
             <a:endParaRPr kumimoji="1" lang="ja-JP" altLang="en-US" sz="800">
               <a:latin typeface="Arial" panose="020B0604020202020204" pitchFamily="34" charset="0"/>
@@ -12764,10 +12738,10 @@
       </p:sp>
       <p:sp>
         <p:nvSpPr>
-          <p:cNvPr id="5" name="テキスト ボックス 4">
+          <p:cNvPr id="6" name="テキスト ボックス 5">
             <a:extLst>
               <a:ext uri="{FF2B5EF4-FFF2-40B4-BE49-F238E27FC236}">
-                <a16:creationId xmlns:a16="http://schemas.microsoft.com/office/drawing/2014/main" id="{766044FB-D22B-EFBB-06FF-B734B55F4B7C}"/>
+                <a16:creationId xmlns:a16="http://schemas.microsoft.com/office/drawing/2014/main" id="{879E4490-A5A2-0B93-1A55-504004853072}"/>
               </a:ext>
             </a:extLst>
           </p:cNvPr>
@@ -12776,8 +12750,8 @@
         </p:nvSpPr>
         <p:spPr>
           <a:xfrm>
-            <a:off x="6113442" y="236758"/>
-            <a:ext cx="636713" cy="215444"/>
+            <a:off x="5928088" y="200426"/>
+            <a:ext cx="821059" cy="215444"/>
           </a:xfrm>
           <a:prstGeom prst="rect">
             <a:avLst/>
@@ -12791,25 +12765,18 @@
           <a:lstStyle/>
           <a:p>
             <a:r>
+              <a:rPr lang="en-US" altLang="ja-JP" sz="800" dirty="0">
+                <a:latin typeface="Arial" panose="020B0604020202020204" pitchFamily="34" charset="0"/>
+                <a:cs typeface="Arial" panose="020B0604020202020204" pitchFamily="34" charset="0"/>
+              </a:rPr>
+              <a:t>d</a:t>
+            </a:r>
+            <a:r>
               <a:rPr kumimoji="1" lang="en-US" altLang="ja-JP" sz="800" dirty="0">
                 <a:latin typeface="Arial" panose="020B0604020202020204" pitchFamily="34" charset="0"/>
                 <a:cs typeface="Arial" panose="020B0604020202020204" pitchFamily="34" charset="0"/>
               </a:rPr>
-              <a:t>RMSD [</a:t>
-            </a:r>
-            <a:r>
-              <a:rPr kumimoji="1" lang="en-US" altLang="ja-JP" sz="800" dirty="0" err="1">
-                <a:latin typeface="Arial" panose="020B0604020202020204" pitchFamily="34" charset="0"/>
-                <a:cs typeface="Arial" panose="020B0604020202020204" pitchFamily="34" charset="0"/>
-              </a:rPr>
-              <a:t>Å</a:t>
-            </a:r>
-            <a:r>
-              <a:rPr kumimoji="1" lang="en-US" altLang="ja-JP" sz="800" dirty="0">
-                <a:latin typeface="Arial" panose="020B0604020202020204" pitchFamily="34" charset="0"/>
-                <a:cs typeface="Arial" panose="020B0604020202020204" pitchFamily="34" charset="0"/>
-              </a:rPr>
-              <a:t>]</a:t>
+              <a:t>ocking score</a:t>
             </a:r>
             <a:endParaRPr kumimoji="1" lang="ja-JP" altLang="en-US" sz="800">
               <a:latin typeface="Arial" panose="020B0604020202020204" pitchFamily="34" charset="0"/>
@@ -12820,10 +12787,10 @@
       </p:sp>
       <p:sp>
         <p:nvSpPr>
-          <p:cNvPr id="6" name="テキスト ボックス 5">
+          <p:cNvPr id="8" name="テキスト ボックス 7">
             <a:extLst>
               <a:ext uri="{FF2B5EF4-FFF2-40B4-BE49-F238E27FC236}">
-                <a16:creationId xmlns:a16="http://schemas.microsoft.com/office/drawing/2014/main" id="{CA1C44A2-D476-8A78-18E8-471405F51A89}"/>
+                <a16:creationId xmlns:a16="http://schemas.microsoft.com/office/drawing/2014/main" id="{46F15851-6286-9910-3DDB-5CD3D5B1B766}"/>
               </a:ext>
             </a:extLst>
           </p:cNvPr>
@@ -12832,8 +12799,8 @@
         </p:nvSpPr>
         <p:spPr>
           <a:xfrm>
-            <a:off x="1644639" y="1978690"/>
-            <a:ext cx="636713" cy="215444"/>
+            <a:off x="1467210" y="1970694"/>
+            <a:ext cx="821059" cy="215444"/>
           </a:xfrm>
           <a:prstGeom prst="rect">
             <a:avLst/>
@@ -12847,25 +12814,18 @@
           <a:lstStyle/>
           <a:p>
             <a:r>
+              <a:rPr lang="en-US" altLang="ja-JP" sz="800" dirty="0">
+                <a:latin typeface="Arial" panose="020B0604020202020204" pitchFamily="34" charset="0"/>
+                <a:cs typeface="Arial" panose="020B0604020202020204" pitchFamily="34" charset="0"/>
+              </a:rPr>
+              <a:t>d</a:t>
+            </a:r>
+            <a:r>
               <a:rPr kumimoji="1" lang="en-US" altLang="ja-JP" sz="800" dirty="0">
                 <a:latin typeface="Arial" panose="020B0604020202020204" pitchFamily="34" charset="0"/>
                 <a:cs typeface="Arial" panose="020B0604020202020204" pitchFamily="34" charset="0"/>
               </a:rPr>
-              <a:t>RMSD [</a:t>
-            </a:r>
-            <a:r>
-              <a:rPr kumimoji="1" lang="en-US" altLang="ja-JP" sz="800" dirty="0" err="1">
-                <a:latin typeface="Arial" panose="020B0604020202020204" pitchFamily="34" charset="0"/>
-                <a:cs typeface="Arial" panose="020B0604020202020204" pitchFamily="34" charset="0"/>
-              </a:rPr>
-              <a:t>Å</a:t>
-            </a:r>
-            <a:r>
-              <a:rPr kumimoji="1" lang="en-US" altLang="ja-JP" sz="800" dirty="0">
-                <a:latin typeface="Arial" panose="020B0604020202020204" pitchFamily="34" charset="0"/>
-                <a:cs typeface="Arial" panose="020B0604020202020204" pitchFamily="34" charset="0"/>
-              </a:rPr>
-              <a:t>]</a:t>
+              <a:t>ocking score</a:t>
             </a:r>
             <a:endParaRPr kumimoji="1" lang="ja-JP" altLang="en-US" sz="800">
               <a:latin typeface="Arial" panose="020B0604020202020204" pitchFamily="34" charset="0"/>
@@ -12876,10 +12836,10 @@
       </p:sp>
       <p:sp>
         <p:nvSpPr>
-          <p:cNvPr id="7" name="テキスト ボックス 6">
+          <p:cNvPr id="10" name="テキスト ボックス 9">
             <a:extLst>
               <a:ext uri="{FF2B5EF4-FFF2-40B4-BE49-F238E27FC236}">
-                <a16:creationId xmlns:a16="http://schemas.microsoft.com/office/drawing/2014/main" id="{7FA4253E-BDE2-458C-E388-E8FC43221888}"/>
+                <a16:creationId xmlns:a16="http://schemas.microsoft.com/office/drawing/2014/main" id="{05DD6D37-E367-26C4-642E-84649C18AFD5}"/>
               </a:ext>
             </a:extLst>
           </p:cNvPr>
@@ -12888,8 +12848,8 @@
         </p:nvSpPr>
         <p:spPr>
           <a:xfrm>
-            <a:off x="3900520" y="1978690"/>
-            <a:ext cx="636713" cy="215444"/>
+            <a:off x="3697649" y="1970694"/>
+            <a:ext cx="821059" cy="215444"/>
           </a:xfrm>
           <a:prstGeom prst="rect">
             <a:avLst/>
@@ -12903,25 +12863,18 @@
           <a:lstStyle/>
           <a:p>
             <a:r>
+              <a:rPr lang="en-US" altLang="ja-JP" sz="800" dirty="0">
+                <a:latin typeface="Arial" panose="020B0604020202020204" pitchFamily="34" charset="0"/>
+                <a:cs typeface="Arial" panose="020B0604020202020204" pitchFamily="34" charset="0"/>
+              </a:rPr>
+              <a:t>d</a:t>
+            </a:r>
+            <a:r>
               <a:rPr kumimoji="1" lang="en-US" altLang="ja-JP" sz="800" dirty="0">
                 <a:latin typeface="Arial" panose="020B0604020202020204" pitchFamily="34" charset="0"/>
                 <a:cs typeface="Arial" panose="020B0604020202020204" pitchFamily="34" charset="0"/>
               </a:rPr>
-              <a:t>RMSD [</a:t>
-            </a:r>
-            <a:r>
-              <a:rPr kumimoji="1" lang="en-US" altLang="ja-JP" sz="800" dirty="0" err="1">
-                <a:latin typeface="Arial" panose="020B0604020202020204" pitchFamily="34" charset="0"/>
-                <a:cs typeface="Arial" panose="020B0604020202020204" pitchFamily="34" charset="0"/>
-              </a:rPr>
-              <a:t>Å</a:t>
-            </a:r>
-            <a:r>
-              <a:rPr kumimoji="1" lang="en-US" altLang="ja-JP" sz="800" dirty="0">
-                <a:latin typeface="Arial" panose="020B0604020202020204" pitchFamily="34" charset="0"/>
-                <a:cs typeface="Arial" panose="020B0604020202020204" pitchFamily="34" charset="0"/>
-              </a:rPr>
-              <a:t>]</a:t>
+              <a:t>ocking score</a:t>
             </a:r>
             <a:endParaRPr kumimoji="1" lang="ja-JP" altLang="en-US" sz="800">
               <a:latin typeface="Arial" panose="020B0604020202020204" pitchFamily="34" charset="0"/>
@@ -12932,10 +12885,10 @@
       </p:sp>
       <p:sp>
         <p:nvSpPr>
-          <p:cNvPr id="9" name="テキスト ボックス 8">
+          <p:cNvPr id="12" name="テキスト ボックス 11">
             <a:extLst>
               <a:ext uri="{FF2B5EF4-FFF2-40B4-BE49-F238E27FC236}">
-                <a16:creationId xmlns:a16="http://schemas.microsoft.com/office/drawing/2014/main" id="{C8881430-F712-D7E2-B475-B50325F5EE90}"/>
+                <a16:creationId xmlns:a16="http://schemas.microsoft.com/office/drawing/2014/main" id="{535B3135-1980-9F13-5ACA-1A897509C6D3}"/>
               </a:ext>
             </a:extLst>
           </p:cNvPr>
@@ -12944,8 +12897,8 @@
         </p:nvSpPr>
         <p:spPr>
           <a:xfrm>
-            <a:off x="6113442" y="1978690"/>
-            <a:ext cx="636713" cy="215444"/>
+            <a:off x="5928088" y="1970694"/>
+            <a:ext cx="821059" cy="215444"/>
           </a:xfrm>
           <a:prstGeom prst="rect">
             <a:avLst/>
@@ -12959,25 +12912,18 @@
           <a:lstStyle/>
           <a:p>
             <a:r>
+              <a:rPr lang="en-US" altLang="ja-JP" sz="800" dirty="0">
+                <a:latin typeface="Arial" panose="020B0604020202020204" pitchFamily="34" charset="0"/>
+                <a:cs typeface="Arial" panose="020B0604020202020204" pitchFamily="34" charset="0"/>
+              </a:rPr>
+              <a:t>d</a:t>
+            </a:r>
+            <a:r>
               <a:rPr kumimoji="1" lang="en-US" altLang="ja-JP" sz="800" dirty="0">
                 <a:latin typeface="Arial" panose="020B0604020202020204" pitchFamily="34" charset="0"/>
                 <a:cs typeface="Arial" panose="020B0604020202020204" pitchFamily="34" charset="0"/>
               </a:rPr>
-              <a:t>RMSD [</a:t>
-            </a:r>
-            <a:r>
-              <a:rPr kumimoji="1" lang="en-US" altLang="ja-JP" sz="800" dirty="0" err="1">
-                <a:latin typeface="Arial" panose="020B0604020202020204" pitchFamily="34" charset="0"/>
-                <a:cs typeface="Arial" panose="020B0604020202020204" pitchFamily="34" charset="0"/>
-              </a:rPr>
-              <a:t>Å</a:t>
-            </a:r>
-            <a:r>
-              <a:rPr kumimoji="1" lang="en-US" altLang="ja-JP" sz="800" dirty="0">
-                <a:latin typeface="Arial" panose="020B0604020202020204" pitchFamily="34" charset="0"/>
-                <a:cs typeface="Arial" panose="020B0604020202020204" pitchFamily="34" charset="0"/>
-              </a:rPr>
-              <a:t>]</a:t>
+              <a:t>ocking score</a:t>
             </a:r>
             <a:endParaRPr kumimoji="1" lang="ja-JP" altLang="en-US" sz="800">
               <a:latin typeface="Arial" panose="020B0604020202020204" pitchFamily="34" charset="0"/>
@@ -12988,10 +12934,10 @@
       </p:sp>
       <p:sp>
         <p:nvSpPr>
-          <p:cNvPr id="10" name="テキスト ボックス 9">
+          <p:cNvPr id="14" name="テキスト ボックス 13">
             <a:extLst>
               <a:ext uri="{FF2B5EF4-FFF2-40B4-BE49-F238E27FC236}">
-                <a16:creationId xmlns:a16="http://schemas.microsoft.com/office/drawing/2014/main" id="{B601E1D6-84C2-DE30-6C86-46712DC4A834}"/>
+                <a16:creationId xmlns:a16="http://schemas.microsoft.com/office/drawing/2014/main" id="{EA08BA4E-ABCF-DC5D-6FFA-7B0007B8448E}"/>
               </a:ext>
             </a:extLst>
           </p:cNvPr>
@@ -13000,8 +12946,8 @@
         </p:nvSpPr>
         <p:spPr>
           <a:xfrm>
-            <a:off x="1644639" y="3739033"/>
-            <a:ext cx="636713" cy="215444"/>
+            <a:off x="1467210" y="3740962"/>
+            <a:ext cx="821059" cy="215444"/>
           </a:xfrm>
           <a:prstGeom prst="rect">
             <a:avLst/>
@@ -13015,25 +12961,18 @@
           <a:lstStyle/>
           <a:p>
             <a:r>
+              <a:rPr lang="en-US" altLang="ja-JP" sz="800" dirty="0">
+                <a:latin typeface="Arial" panose="020B0604020202020204" pitchFamily="34" charset="0"/>
+                <a:cs typeface="Arial" panose="020B0604020202020204" pitchFamily="34" charset="0"/>
+              </a:rPr>
+              <a:t>d</a:t>
+            </a:r>
+            <a:r>
               <a:rPr kumimoji="1" lang="en-US" altLang="ja-JP" sz="800" dirty="0">
                 <a:latin typeface="Arial" panose="020B0604020202020204" pitchFamily="34" charset="0"/>
                 <a:cs typeface="Arial" panose="020B0604020202020204" pitchFamily="34" charset="0"/>
               </a:rPr>
-              <a:t>RMSD [</a:t>
-            </a:r>
-            <a:r>
-              <a:rPr kumimoji="1" lang="en-US" altLang="ja-JP" sz="800" dirty="0" err="1">
-                <a:latin typeface="Arial" panose="020B0604020202020204" pitchFamily="34" charset="0"/>
-                <a:cs typeface="Arial" panose="020B0604020202020204" pitchFamily="34" charset="0"/>
-              </a:rPr>
-              <a:t>Å</a:t>
-            </a:r>
-            <a:r>
-              <a:rPr kumimoji="1" lang="en-US" altLang="ja-JP" sz="800" dirty="0">
-                <a:latin typeface="Arial" panose="020B0604020202020204" pitchFamily="34" charset="0"/>
-                <a:cs typeface="Arial" panose="020B0604020202020204" pitchFamily="34" charset="0"/>
-              </a:rPr>
-              <a:t>]</a:t>
+              <a:t>ocking score</a:t>
             </a:r>
             <a:endParaRPr kumimoji="1" lang="ja-JP" altLang="en-US" sz="800">
               <a:latin typeface="Arial" panose="020B0604020202020204" pitchFamily="34" charset="0"/>
@@ -13044,10 +12983,10 @@
       </p:sp>
       <p:sp>
         <p:nvSpPr>
-          <p:cNvPr id="11" name="テキスト ボックス 10">
+          <p:cNvPr id="16" name="テキスト ボックス 15">
             <a:extLst>
               <a:ext uri="{FF2B5EF4-FFF2-40B4-BE49-F238E27FC236}">
-                <a16:creationId xmlns:a16="http://schemas.microsoft.com/office/drawing/2014/main" id="{BE95E8F4-0D99-3593-F1E6-32A1A5126882}"/>
+                <a16:creationId xmlns:a16="http://schemas.microsoft.com/office/drawing/2014/main" id="{3CCE8EE2-87B4-1AA1-11CA-84C72DA727C8}"/>
               </a:ext>
             </a:extLst>
           </p:cNvPr>
@@ -13056,8 +12995,8 @@
         </p:nvSpPr>
         <p:spPr>
           <a:xfrm>
-            <a:off x="3900520" y="3739033"/>
-            <a:ext cx="636713" cy="215444"/>
+            <a:off x="3697649" y="3740962"/>
+            <a:ext cx="821059" cy="215444"/>
           </a:xfrm>
           <a:prstGeom prst="rect">
             <a:avLst/>
@@ -13071,25 +13010,18 @@
           <a:lstStyle/>
           <a:p>
             <a:r>
+              <a:rPr lang="en-US" altLang="ja-JP" sz="800" dirty="0">
+                <a:latin typeface="Arial" panose="020B0604020202020204" pitchFamily="34" charset="0"/>
+                <a:cs typeface="Arial" panose="020B0604020202020204" pitchFamily="34" charset="0"/>
+              </a:rPr>
+              <a:t>d</a:t>
+            </a:r>
+            <a:r>
               <a:rPr kumimoji="1" lang="en-US" altLang="ja-JP" sz="800" dirty="0">
                 <a:latin typeface="Arial" panose="020B0604020202020204" pitchFamily="34" charset="0"/>
                 <a:cs typeface="Arial" panose="020B0604020202020204" pitchFamily="34" charset="0"/>
               </a:rPr>
-              <a:t>RMSD [</a:t>
-            </a:r>
-            <a:r>
-              <a:rPr kumimoji="1" lang="en-US" altLang="ja-JP" sz="800" dirty="0" err="1">
-                <a:latin typeface="Arial" panose="020B0604020202020204" pitchFamily="34" charset="0"/>
-                <a:cs typeface="Arial" panose="020B0604020202020204" pitchFamily="34" charset="0"/>
-              </a:rPr>
-              <a:t>Å</a:t>
-            </a:r>
-            <a:r>
-              <a:rPr kumimoji="1" lang="en-US" altLang="ja-JP" sz="800" dirty="0">
-                <a:latin typeface="Arial" panose="020B0604020202020204" pitchFamily="34" charset="0"/>
-                <a:cs typeface="Arial" panose="020B0604020202020204" pitchFamily="34" charset="0"/>
-              </a:rPr>
-              <a:t>]</a:t>
+              <a:t>ocking score</a:t>
             </a:r>
             <a:endParaRPr kumimoji="1" lang="ja-JP" altLang="en-US" sz="800">
               <a:latin typeface="Arial" panose="020B0604020202020204" pitchFamily="34" charset="0"/>
@@ -13100,10 +13032,10 @@
       </p:sp>
       <p:sp>
         <p:nvSpPr>
-          <p:cNvPr id="14" name="テキスト ボックス 13">
+          <p:cNvPr id="22" name="テキスト ボックス 21">
             <a:extLst>
               <a:ext uri="{FF2B5EF4-FFF2-40B4-BE49-F238E27FC236}">
-                <a16:creationId xmlns:a16="http://schemas.microsoft.com/office/drawing/2014/main" id="{A90E2789-E1FD-E455-1D32-3550D793E12E}"/>
+                <a16:creationId xmlns:a16="http://schemas.microsoft.com/office/drawing/2014/main" id="{1C0027AC-368D-82E9-A30A-66857A018AFC}"/>
               </a:ext>
             </a:extLst>
           </p:cNvPr>
@@ -13112,8 +13044,8 @@
         </p:nvSpPr>
         <p:spPr>
           <a:xfrm>
-            <a:off x="1642770" y="5550590"/>
-            <a:ext cx="636713" cy="215444"/>
+            <a:off x="1467210" y="5536630"/>
+            <a:ext cx="821059" cy="215444"/>
           </a:xfrm>
           <a:prstGeom prst="rect">
             <a:avLst/>
@@ -13127,25 +13059,67 @@
           <a:lstStyle/>
           <a:p>
             <a:r>
+              <a:rPr lang="en-US" altLang="ja-JP" sz="800" dirty="0">
+                <a:latin typeface="Arial" panose="020B0604020202020204" pitchFamily="34" charset="0"/>
+                <a:cs typeface="Arial" panose="020B0604020202020204" pitchFamily="34" charset="0"/>
+              </a:rPr>
+              <a:t>d</a:t>
+            </a:r>
+            <a:r>
               <a:rPr kumimoji="1" lang="en-US" altLang="ja-JP" sz="800" dirty="0">
                 <a:latin typeface="Arial" panose="020B0604020202020204" pitchFamily="34" charset="0"/>
                 <a:cs typeface="Arial" panose="020B0604020202020204" pitchFamily="34" charset="0"/>
               </a:rPr>
-              <a:t>RMSD [</a:t>
-            </a:r>
-            <a:r>
-              <a:rPr kumimoji="1" lang="en-US" altLang="ja-JP" sz="800" dirty="0" err="1">
+              <a:t>ocking score</a:t>
+            </a:r>
+            <a:endParaRPr kumimoji="1" lang="ja-JP" altLang="en-US" sz="800">
+              <a:latin typeface="Arial" panose="020B0604020202020204" pitchFamily="34" charset="0"/>
+              <a:cs typeface="Arial" panose="020B0604020202020204" pitchFamily="34" charset="0"/>
+            </a:endParaRPr>
+          </a:p>
+        </p:txBody>
+      </p:sp>
+      <p:sp>
+        <p:nvSpPr>
+          <p:cNvPr id="24" name="テキスト ボックス 23">
+            <a:extLst>
+              <a:ext uri="{FF2B5EF4-FFF2-40B4-BE49-F238E27FC236}">
+                <a16:creationId xmlns:a16="http://schemas.microsoft.com/office/drawing/2014/main" id="{85E05ADA-5370-F436-3738-5A5D8D86D59A}"/>
+              </a:ext>
+            </a:extLst>
+          </p:cNvPr>
+          <p:cNvSpPr txBox="1"/>
+          <p:nvPr/>
+        </p:nvSpPr>
+        <p:spPr>
+          <a:xfrm>
+            <a:off x="3697649" y="5536630"/>
+            <a:ext cx="821059" cy="215444"/>
+          </a:xfrm>
+          <a:prstGeom prst="rect">
+            <a:avLst/>
+          </a:prstGeom>
+          <a:noFill/>
+        </p:spPr>
+        <p:txBody>
+          <a:bodyPr wrap="none" rtlCol="0">
+            <a:spAutoFit/>
+          </a:bodyPr>
+          <a:lstStyle/>
+          <a:p>
+            <a:r>
+              <a:rPr lang="en-US" altLang="ja-JP" sz="800" dirty="0">
                 <a:latin typeface="Arial" panose="020B0604020202020204" pitchFamily="34" charset="0"/>
                 <a:cs typeface="Arial" panose="020B0604020202020204" pitchFamily="34" charset="0"/>
               </a:rPr>
-              <a:t>Å</a:t>
+              <a:t>d</a:t>
             </a:r>
             <a:r>
               <a:rPr kumimoji="1" lang="en-US" altLang="ja-JP" sz="800" dirty="0">
                 <a:latin typeface="Arial" panose="020B0604020202020204" pitchFamily="34" charset="0"/>
                 <a:cs typeface="Arial" panose="020B0604020202020204" pitchFamily="34" charset="0"/>
               </a:rPr>
-              <a:t>]</a:t>
+              <a:t>ocking score</a:t>
             </a:r>
             <a:endParaRPr kumimoji="1" lang="ja-JP" altLang="en-US" sz="800">
               <a:latin typeface="Arial" panose="020B0604020202020204" pitchFamily="34" charset="0"/>

--- a/figures/FigS06.pptx
+++ b/figures/FigS06.pptx
@@ -12780,7 +12780,7 @@
         <p:spPr>
           <a:xfrm>
             <a:off x="985261" y="9227"/>
-            <a:ext cx="713657" cy="246221"/>
+            <a:ext cx="854721" cy="246221"/>
           </a:xfrm>
           <a:prstGeom prst="rect">
             <a:avLst/>
@@ -12798,7 +12798,7 @@
                 <a:latin typeface="Arial" panose="020B0604020202020204" pitchFamily="34" charset="0"/>
                 <a:cs typeface="Arial" panose="020B0604020202020204" pitchFamily="34" charset="0"/>
               </a:rPr>
-              <a:t>Left hand</a:t>
+              <a:t>Left-handed</a:t>
             </a:r>
             <a:endParaRPr kumimoji="1" lang="ja-JP" altLang="en-US" sz="1000">
               <a:latin typeface="Arial" panose="020B0604020202020204" pitchFamily="34" charset="0"/>
@@ -12822,7 +12822,7 @@
         <p:spPr>
           <a:xfrm>
             <a:off x="3363257" y="14049"/>
-            <a:ext cx="800219" cy="246221"/>
+            <a:ext cx="949299" cy="246221"/>
           </a:xfrm>
           <a:prstGeom prst="rect">
             <a:avLst/>
@@ -12840,7 +12840,7 @@
                 <a:latin typeface="Arial" panose="020B0604020202020204" pitchFamily="34" charset="0"/>
                 <a:cs typeface="Arial" panose="020B0604020202020204" pitchFamily="34" charset="0"/>
               </a:rPr>
-              <a:t>Right hand</a:t>
+              <a:t>Right-handed</a:t>
             </a:r>
             <a:endParaRPr kumimoji="1" lang="ja-JP" altLang="en-US" sz="1000">
               <a:latin typeface="Arial" panose="020B0604020202020204" pitchFamily="34" charset="0"/>

--- a/figures/FigS06.pptx
+++ b/figures/FigS06.pptx
@@ -7923,7 +7923,7 @@
           <a:p>
             <a:fld id="{7D22E5B2-9439-374A-B1E6-D8F9BBAFF71C}" type="datetimeFigureOut">
               <a:rPr kumimoji="1" lang="ja-JP" altLang="en-US" smtClean="0"/>
-              <a:t>2024/10/14</a:t>
+              <a:t>2024/10/19</a:t>
             </a:fld>
             <a:endParaRPr kumimoji="1" lang="ja-JP" altLang="en-US"/>
           </a:p>
@@ -8089,7 +8089,7 @@
           <a:p>
             <a:fld id="{EC1B1D34-CDA3-9948-B5AE-50FEAE2084F0}" type="datetimeFigureOut">
               <a:rPr kumimoji="1" lang="ja-JP" altLang="en-US" smtClean="0"/>
-              <a:t>2024/10/14</a:t>
+              <a:t>2024/10/19</a:t>
             </a:fld>
             <a:endParaRPr kumimoji="1" lang="ja-JP" altLang="en-US"/>
           </a:p>
@@ -8568,7 +8568,7 @@
           <a:p>
             <a:fld id="{DC18BD2E-9994-4E40-B328-49497B6525F5}" type="datetime1">
               <a:rPr kumimoji="1" lang="ja-JP" altLang="en-US" smtClean="0"/>
-              <a:t>2024/10/14</a:t>
+              <a:t>2024/10/19</a:t>
             </a:fld>
             <a:endParaRPr kumimoji="1" lang="ja-JP" altLang="en-US"/>
           </a:p>
@@ -8773,7 +8773,7 @@
           <a:p>
             <a:fld id="{ED32B4BE-600B-C746-92A1-96A3DB0F6359}" type="datetime1">
               <a:rPr kumimoji="1" lang="ja-JP" altLang="en-US" smtClean="0"/>
-              <a:t>2024/10/14</a:t>
+              <a:t>2024/10/19</a:t>
             </a:fld>
             <a:endParaRPr kumimoji="1" lang="ja-JP" altLang="en-US"/>
           </a:p>
@@ -8983,7 +8983,7 @@
           <a:p>
             <a:fld id="{957D4E43-ADDF-6B4C-A3A0-9FC11541FF6B}" type="datetime1">
               <a:rPr kumimoji="1" lang="ja-JP" altLang="en-US" smtClean="0"/>
-              <a:t>2024/10/14</a:t>
+              <a:t>2024/10/19</a:t>
             </a:fld>
             <a:endParaRPr kumimoji="1" lang="ja-JP" altLang="en-US"/>
           </a:p>
@@ -9183,7 +9183,7 @@
           <a:p>
             <a:fld id="{3ACE8623-A191-244D-9912-2788CD9AA0AB}" type="datetime1">
               <a:rPr kumimoji="1" lang="ja-JP" altLang="en-US" smtClean="0"/>
-              <a:t>2024/10/14</a:t>
+              <a:t>2024/10/19</a:t>
             </a:fld>
             <a:endParaRPr kumimoji="1" lang="ja-JP" altLang="en-US"/>
           </a:p>
@@ -9428,7 +9428,7 @@
           <a:p>
             <a:fld id="{ACF1CE24-2BE2-7F4A-9EE8-57950BD5865D}" type="datetime1">
               <a:rPr kumimoji="1" lang="ja-JP" altLang="en-US" smtClean="0"/>
-              <a:t>2024/10/14</a:t>
+              <a:t>2024/10/19</a:t>
             </a:fld>
             <a:endParaRPr kumimoji="1" lang="ja-JP" altLang="en-US"/>
           </a:p>
@@ -9777,7 +9777,7 @@
           <a:p>
             <a:fld id="{EC5917E1-143D-0147-AA4C-23A15708FCF1}" type="datetime1">
               <a:rPr kumimoji="1" lang="ja-JP" altLang="en-US" smtClean="0"/>
-              <a:t>2024/10/14</a:t>
+              <a:t>2024/10/19</a:t>
             </a:fld>
             <a:endParaRPr kumimoji="1" lang="ja-JP" altLang="en-US"/>
           </a:p>
@@ -10260,7 +10260,7 @@
           <a:p>
             <a:fld id="{040ED48A-E57C-F94E-B195-A02F52AC0C3F}" type="datetime1">
               <a:rPr kumimoji="1" lang="ja-JP" altLang="en-US" smtClean="0"/>
-              <a:t>2024/10/14</a:t>
+              <a:t>2024/10/19</a:t>
             </a:fld>
             <a:endParaRPr kumimoji="1" lang="ja-JP" altLang="en-US"/>
           </a:p>
@@ -10377,7 +10377,7 @@
           <a:p>
             <a:fld id="{6BFE0B55-0AB2-0749-8D75-4BC4FEF9C817}" type="datetime1">
               <a:rPr kumimoji="1" lang="ja-JP" altLang="en-US" smtClean="0"/>
-              <a:t>2024/10/14</a:t>
+              <a:t>2024/10/19</a:t>
             </a:fld>
             <a:endParaRPr kumimoji="1" lang="ja-JP" altLang="en-US"/>
           </a:p>
@@ -10472,7 +10472,7 @@
           <a:p>
             <a:fld id="{2C0F5FA4-0109-8247-9BE4-E10501EC04AA}" type="datetime1">
               <a:rPr kumimoji="1" lang="ja-JP" altLang="en-US" smtClean="0"/>
-              <a:t>2024/10/14</a:t>
+              <a:t>2024/10/19</a:t>
             </a:fld>
             <a:endParaRPr kumimoji="1" lang="ja-JP" altLang="en-US"/>
           </a:p>
@@ -10779,7 +10779,7 @@
           <a:p>
             <a:fld id="{8C6B6A4B-2033-7A4E-B3D4-26E50F09F6B4}" type="datetime1">
               <a:rPr kumimoji="1" lang="ja-JP" altLang="en-US" smtClean="0"/>
-              <a:t>2024/10/14</a:t>
+              <a:t>2024/10/19</a:t>
             </a:fld>
             <a:endParaRPr kumimoji="1" lang="ja-JP" altLang="en-US"/>
           </a:p>
@@ -11031,7 +11031,7 @@
           <a:p>
             <a:fld id="{E34AB8A0-CB7D-AA4F-ADA7-48A831E2DB24}" type="datetime1">
               <a:rPr kumimoji="1" lang="ja-JP" altLang="en-US" smtClean="0"/>
-              <a:t>2024/10/14</a:t>
+              <a:t>2024/10/19</a:t>
             </a:fld>
             <a:endParaRPr kumimoji="1" lang="ja-JP" altLang="en-US"/>
           </a:p>
@@ -11274,7 +11274,7 @@
           <a:p>
             <a:fld id="{F1E64B19-EACE-EC41-91EF-E5811185D0B2}" type="datetime1">
               <a:rPr kumimoji="1" lang="ja-JP" altLang="en-US" smtClean="0"/>
-              <a:t>2024/10/14</a:t>
+              <a:t>2024/10/19</a:t>
             </a:fld>
             <a:endParaRPr kumimoji="1" lang="ja-JP" altLang="en-US"/>
           </a:p>
@@ -11857,10 +11857,10 @@
       </p:sp>
       <p:sp>
         <p:nvSpPr>
-          <p:cNvPr id="30" name="テキスト ボックス 29">
+          <p:cNvPr id="18" name="テキスト ボックス 17">
             <a:extLst>
               <a:ext uri="{FF2B5EF4-FFF2-40B4-BE49-F238E27FC236}">
-                <a16:creationId xmlns:a16="http://schemas.microsoft.com/office/drawing/2014/main" id="{F60A58DA-4B00-1783-9E47-5B30733D553A}"/>
+                <a16:creationId xmlns:a16="http://schemas.microsoft.com/office/drawing/2014/main" id="{E59ACC2F-3407-A079-A4DA-BDAFA536A437}"/>
               </a:ext>
             </a:extLst>
           </p:cNvPr>
@@ -11869,8 +11869,8 @@
         </p:nvSpPr>
         <p:spPr>
           <a:xfrm>
-            <a:off x="1044234" y="185037"/>
-            <a:ext cx="518091" cy="246221"/>
+            <a:off x="45604" y="6747480"/>
+            <a:ext cx="1592103" cy="192360"/>
           </a:xfrm>
           <a:prstGeom prst="rect">
             <a:avLst/>
@@ -11884,349 +11884,13 @@
           <a:lstStyle/>
           <a:p>
             <a:r>
-              <a:rPr kumimoji="1" lang="en-US" altLang="ja-JP" sz="1000" dirty="0">
+              <a:rPr kumimoji="1" lang="en-US" altLang="ja-JP" sz="650" dirty="0">
                 <a:latin typeface="Arial" panose="020B0604020202020204" pitchFamily="34" charset="0"/>
                 <a:cs typeface="Arial" panose="020B0604020202020204" pitchFamily="34" charset="0"/>
               </a:rPr>
-              <a:t>2BUK</a:t>
-            </a:r>
-            <a:endParaRPr kumimoji="1" lang="ja-JP" altLang="en-US" sz="1000">
-              <a:latin typeface="Arial" panose="020B0604020202020204" pitchFamily="34" charset="0"/>
-              <a:cs typeface="Arial" panose="020B0604020202020204" pitchFamily="34" charset="0"/>
-            </a:endParaRPr>
-          </a:p>
-        </p:txBody>
-      </p:sp>
-      <p:sp>
-        <p:nvSpPr>
-          <p:cNvPr id="39" name="テキスト ボックス 38">
-            <a:extLst>
-              <a:ext uri="{FF2B5EF4-FFF2-40B4-BE49-F238E27FC236}">
-                <a16:creationId xmlns:a16="http://schemas.microsoft.com/office/drawing/2014/main" id="{9307EB38-6B1B-2E76-939A-906A807C5FC3}"/>
-              </a:ext>
-            </a:extLst>
-          </p:cNvPr>
-          <p:cNvSpPr txBox="1"/>
-          <p:nvPr/>
-        </p:nvSpPr>
-        <p:spPr>
-          <a:xfrm>
-            <a:off x="1022130" y="1781300"/>
-            <a:ext cx="518091" cy="246221"/>
-          </a:xfrm>
-          <a:prstGeom prst="rect">
-            <a:avLst/>
-          </a:prstGeom>
-          <a:noFill/>
-        </p:spPr>
-        <p:txBody>
-          <a:bodyPr wrap="none" rtlCol="0">
-            <a:spAutoFit/>
-          </a:bodyPr>
-          <a:lstStyle/>
-          <a:p>
-            <a:r>
-              <a:rPr kumimoji="1" lang="en-US" altLang="ja-JP" sz="1000" dirty="0">
-                <a:latin typeface="Arial" panose="020B0604020202020204" pitchFamily="34" charset="0"/>
-                <a:cs typeface="Arial" panose="020B0604020202020204" pitchFamily="34" charset="0"/>
-              </a:rPr>
-              <a:t>4V4M</a:t>
-            </a:r>
-            <a:endParaRPr kumimoji="1" lang="ja-JP" altLang="en-US" sz="1000">
-              <a:latin typeface="Arial" panose="020B0604020202020204" pitchFamily="34" charset="0"/>
-              <a:cs typeface="Arial" panose="020B0604020202020204" pitchFamily="34" charset="0"/>
-            </a:endParaRPr>
-          </a:p>
-        </p:txBody>
-      </p:sp>
-      <p:sp>
-        <p:nvSpPr>
-          <p:cNvPr id="46" name="テキスト ボックス 45">
-            <a:extLst>
-              <a:ext uri="{FF2B5EF4-FFF2-40B4-BE49-F238E27FC236}">
-                <a16:creationId xmlns:a16="http://schemas.microsoft.com/office/drawing/2014/main" id="{4AA4653F-C16E-73EB-5BD3-BA9A5CC5A077}"/>
-              </a:ext>
-            </a:extLst>
-          </p:cNvPr>
-          <p:cNvSpPr txBox="1"/>
-          <p:nvPr/>
-        </p:nvSpPr>
-        <p:spPr>
-          <a:xfrm>
-            <a:off x="1022130" y="4974281"/>
-            <a:ext cx="481222" cy="246221"/>
-          </a:xfrm>
-          <a:prstGeom prst="rect">
-            <a:avLst/>
-          </a:prstGeom>
-          <a:noFill/>
-        </p:spPr>
-        <p:txBody>
-          <a:bodyPr wrap="none" rtlCol="0">
-            <a:spAutoFit/>
-          </a:bodyPr>
-          <a:lstStyle/>
-          <a:p>
-            <a:r>
-              <a:rPr lang="en-US" altLang="ja-JP" sz="1000" dirty="0">
-                <a:latin typeface="Arial" panose="020B0604020202020204" pitchFamily="34" charset="0"/>
-                <a:cs typeface="Arial" panose="020B0604020202020204" pitchFamily="34" charset="0"/>
-              </a:rPr>
-              <a:t>6S44</a:t>
-            </a:r>
-            <a:endParaRPr kumimoji="1" lang="ja-JP" altLang="en-US" sz="1000">
-              <a:latin typeface="Arial" panose="020B0604020202020204" pitchFamily="34" charset="0"/>
-              <a:cs typeface="Arial" panose="020B0604020202020204" pitchFamily="34" charset="0"/>
-            </a:endParaRPr>
-          </a:p>
-        </p:txBody>
-      </p:sp>
-      <p:sp>
-        <p:nvSpPr>
-          <p:cNvPr id="50" name="テキスト ボックス 49">
-            <a:extLst>
-              <a:ext uri="{FF2B5EF4-FFF2-40B4-BE49-F238E27FC236}">
-                <a16:creationId xmlns:a16="http://schemas.microsoft.com/office/drawing/2014/main" id="{18DFC662-3C66-97E6-7779-250FCCB468DF}"/>
-              </a:ext>
-            </a:extLst>
-          </p:cNvPr>
-          <p:cNvSpPr txBox="1"/>
-          <p:nvPr/>
-        </p:nvSpPr>
-        <p:spPr>
-          <a:xfrm>
-            <a:off x="1039817" y="3386156"/>
-            <a:ext cx="569387" cy="246221"/>
-          </a:xfrm>
-          <a:prstGeom prst="rect">
-            <a:avLst/>
-          </a:prstGeom>
-          <a:noFill/>
-        </p:spPr>
-        <p:txBody>
-          <a:bodyPr wrap="none" rtlCol="0">
-            <a:spAutoFit/>
-          </a:bodyPr>
-          <a:lstStyle/>
-          <a:p>
-            <a:r>
-              <a:rPr kumimoji="1" lang="en-US" altLang="ja-JP" sz="1000" dirty="0">
-                <a:latin typeface="Arial" panose="020B0604020202020204" pitchFamily="34" charset="0"/>
-                <a:cs typeface="Arial" panose="020B0604020202020204" pitchFamily="34" charset="0"/>
-              </a:rPr>
-              <a:t>7ODW</a:t>
-            </a:r>
-            <a:endParaRPr kumimoji="1" lang="ja-JP" altLang="en-US" sz="1000">
-              <a:latin typeface="Arial" panose="020B0604020202020204" pitchFamily="34" charset="0"/>
-              <a:cs typeface="Arial" panose="020B0604020202020204" pitchFamily="34" charset="0"/>
-            </a:endParaRPr>
-          </a:p>
-        </p:txBody>
-      </p:sp>
-      <p:sp>
-        <p:nvSpPr>
-          <p:cNvPr id="51" name="テキスト ボックス 50">
-            <a:extLst>
-              <a:ext uri="{FF2B5EF4-FFF2-40B4-BE49-F238E27FC236}">
-                <a16:creationId xmlns:a16="http://schemas.microsoft.com/office/drawing/2014/main" id="{4160E0AF-650B-FCBE-6957-3BA1BE9F5011}"/>
-              </a:ext>
-            </a:extLst>
-          </p:cNvPr>
-          <p:cNvSpPr txBox="1"/>
-          <p:nvPr/>
-        </p:nvSpPr>
-        <p:spPr>
-          <a:xfrm>
-            <a:off x="3403134" y="3379075"/>
-            <a:ext cx="511679" cy="246221"/>
-          </a:xfrm>
-          <a:prstGeom prst="rect">
-            <a:avLst/>
-          </a:prstGeom>
-          <a:noFill/>
-        </p:spPr>
-        <p:txBody>
-          <a:bodyPr wrap="none" rtlCol="0">
-            <a:spAutoFit/>
-          </a:bodyPr>
-          <a:lstStyle/>
-          <a:p>
-            <a:r>
-              <a:rPr kumimoji="1" lang="en-US" altLang="ja-JP" sz="1000" dirty="0">
-                <a:latin typeface="Arial" panose="020B0604020202020204" pitchFamily="34" charset="0"/>
-                <a:cs typeface="Arial" panose="020B0604020202020204" pitchFamily="34" charset="0"/>
-              </a:rPr>
-              <a:t>3R0R</a:t>
-            </a:r>
-            <a:endParaRPr kumimoji="1" lang="ja-JP" altLang="en-US" sz="1000">
-              <a:latin typeface="Arial" panose="020B0604020202020204" pitchFamily="34" charset="0"/>
-              <a:cs typeface="Arial" panose="020B0604020202020204" pitchFamily="34" charset="0"/>
-            </a:endParaRPr>
-          </a:p>
-        </p:txBody>
-      </p:sp>
-      <p:sp>
-        <p:nvSpPr>
-          <p:cNvPr id="58" name="テキスト ボックス 57">
-            <a:extLst>
-              <a:ext uri="{FF2B5EF4-FFF2-40B4-BE49-F238E27FC236}">
-                <a16:creationId xmlns:a16="http://schemas.microsoft.com/office/drawing/2014/main" id="{5A5A518E-73C8-5E30-AC67-DE37CAB8F40A}"/>
-              </a:ext>
-            </a:extLst>
-          </p:cNvPr>
-          <p:cNvSpPr txBox="1"/>
-          <p:nvPr/>
-        </p:nvSpPr>
-        <p:spPr>
-          <a:xfrm>
-            <a:off x="3390119" y="4971480"/>
-            <a:ext cx="490840" cy="246221"/>
-          </a:xfrm>
-          <a:prstGeom prst="rect">
-            <a:avLst/>
-          </a:prstGeom>
-          <a:noFill/>
-        </p:spPr>
-        <p:txBody>
-          <a:bodyPr wrap="none" rtlCol="0">
-            <a:spAutoFit/>
-          </a:bodyPr>
-          <a:lstStyle/>
-          <a:p>
-            <a:r>
-              <a:rPr lang="en-US" altLang="ja-JP" sz="1000" dirty="0">
-                <a:latin typeface="Arial" panose="020B0604020202020204" pitchFamily="34" charset="0"/>
-                <a:cs typeface="Arial" panose="020B0604020202020204" pitchFamily="34" charset="0"/>
-              </a:rPr>
-              <a:t>5ZJU</a:t>
-            </a:r>
-            <a:endParaRPr kumimoji="1" lang="ja-JP" altLang="en-US" sz="1000">
-              <a:latin typeface="Arial" panose="020B0604020202020204" pitchFamily="34" charset="0"/>
-              <a:cs typeface="Arial" panose="020B0604020202020204" pitchFamily="34" charset="0"/>
-            </a:endParaRPr>
-          </a:p>
-        </p:txBody>
-      </p:sp>
-      <p:sp>
-        <p:nvSpPr>
-          <p:cNvPr id="74" name="テキスト ボックス 73">
-            <a:extLst>
-              <a:ext uri="{FF2B5EF4-FFF2-40B4-BE49-F238E27FC236}">
-                <a16:creationId xmlns:a16="http://schemas.microsoft.com/office/drawing/2014/main" id="{79C81B51-7C68-443A-8415-0FE68A34756C}"/>
-              </a:ext>
-            </a:extLst>
-          </p:cNvPr>
-          <p:cNvSpPr txBox="1"/>
-          <p:nvPr/>
-        </p:nvSpPr>
-        <p:spPr>
-          <a:xfrm>
-            <a:off x="4513317" y="6730295"/>
-            <a:ext cx="526106" cy="246221"/>
-          </a:xfrm>
-          <a:prstGeom prst="rect">
-            <a:avLst/>
-          </a:prstGeom>
-          <a:noFill/>
-        </p:spPr>
-        <p:txBody>
-          <a:bodyPr wrap="none" rtlCol="0">
-            <a:spAutoFit/>
-          </a:bodyPr>
-          <a:lstStyle/>
-          <a:p>
-            <a:r>
-              <a:rPr kumimoji="1" lang="en-US" altLang="ja-JP" sz="1000" dirty="0">
-                <a:latin typeface="Arial" panose="020B0604020202020204" pitchFamily="34" charset="0"/>
-                <a:cs typeface="Arial" panose="020B0604020202020204" pitchFamily="34" charset="0"/>
-              </a:rPr>
-              <a:t>1STM</a:t>
-            </a:r>
-            <a:endParaRPr kumimoji="1" lang="ja-JP" altLang="en-US" sz="1000">
-              <a:latin typeface="Arial" panose="020B0604020202020204" pitchFamily="34" charset="0"/>
-              <a:cs typeface="Arial" panose="020B0604020202020204" pitchFamily="34" charset="0"/>
-            </a:endParaRPr>
-          </a:p>
-        </p:txBody>
-      </p:sp>
-      <p:sp>
-        <p:nvSpPr>
-          <p:cNvPr id="75" name="テキスト ボックス 74">
-            <a:extLst>
-              <a:ext uri="{FF2B5EF4-FFF2-40B4-BE49-F238E27FC236}">
-                <a16:creationId xmlns:a16="http://schemas.microsoft.com/office/drawing/2014/main" id="{9582B61A-47A5-D33F-543D-FE3E9A80CB21}"/>
-              </a:ext>
-            </a:extLst>
-          </p:cNvPr>
-          <p:cNvSpPr txBox="1"/>
-          <p:nvPr/>
-        </p:nvSpPr>
-        <p:spPr>
-          <a:xfrm>
-            <a:off x="3415590" y="181454"/>
-            <a:ext cx="495649" cy="246221"/>
-          </a:xfrm>
-          <a:prstGeom prst="rect">
-            <a:avLst/>
-          </a:prstGeom>
-          <a:noFill/>
-        </p:spPr>
-        <p:txBody>
-          <a:bodyPr wrap="none" rtlCol="0">
-            <a:spAutoFit/>
-          </a:bodyPr>
-          <a:lstStyle/>
-          <a:p>
-            <a:r>
-              <a:rPr kumimoji="1" lang="en-US" altLang="ja-JP" sz="1000" dirty="0">
-                <a:latin typeface="Arial" panose="020B0604020202020204" pitchFamily="34" charset="0"/>
-                <a:cs typeface="Arial" panose="020B0604020202020204" pitchFamily="34" charset="0"/>
-              </a:rPr>
-              <a:t>1VB4</a:t>
-            </a:r>
-            <a:endParaRPr kumimoji="1" lang="ja-JP" altLang="en-US" sz="1000">
-              <a:latin typeface="Arial" panose="020B0604020202020204" pitchFamily="34" charset="0"/>
-              <a:cs typeface="Arial" panose="020B0604020202020204" pitchFamily="34" charset="0"/>
-            </a:endParaRPr>
-          </a:p>
-        </p:txBody>
-      </p:sp>
-      <p:sp>
-        <p:nvSpPr>
-          <p:cNvPr id="18" name="テキスト ボックス 17">
-            <a:extLst>
-              <a:ext uri="{FF2B5EF4-FFF2-40B4-BE49-F238E27FC236}">
-                <a16:creationId xmlns:a16="http://schemas.microsoft.com/office/drawing/2014/main" id="{E59ACC2F-3407-A079-A4DA-BDAFA536A437}"/>
-              </a:ext>
-            </a:extLst>
-          </p:cNvPr>
-          <p:cNvSpPr txBox="1"/>
-          <p:nvPr/>
-        </p:nvSpPr>
-        <p:spPr>
-          <a:xfrm>
-            <a:off x="45604" y="6725988"/>
-            <a:ext cx="526106" cy="246221"/>
-          </a:xfrm>
-          <a:prstGeom prst="rect">
-            <a:avLst/>
-          </a:prstGeom>
-          <a:noFill/>
-        </p:spPr>
-        <p:txBody>
-          <a:bodyPr wrap="none" rtlCol="0">
-            <a:spAutoFit/>
-          </a:bodyPr>
-          <a:lstStyle/>
-          <a:p>
-            <a:r>
-              <a:rPr kumimoji="1" lang="en-US" altLang="ja-JP" sz="1000" dirty="0">
-                <a:latin typeface="Arial" panose="020B0604020202020204" pitchFamily="34" charset="0"/>
-                <a:cs typeface="Arial" panose="020B0604020202020204" pitchFamily="34" charset="0"/>
-              </a:rPr>
-              <a:t>6R7M</a:t>
-            </a:r>
-            <a:endParaRPr kumimoji="1" lang="ja-JP" altLang="en-US" sz="1000">
+              <a:t>Tobacco mosaic virus (PDB ID 6R7M)</a:t>
+            </a:r>
+            <a:endParaRPr kumimoji="1" lang="ja-JP" altLang="en-US" sz="650">
               <a:latin typeface="Arial" panose="020B0604020202020204" pitchFamily="34" charset="0"/>
               <a:cs typeface="Arial" panose="020B0604020202020204" pitchFamily="34" charset="0"/>
             </a:endParaRPr>
@@ -12247,8 +11911,8 @@
         </p:nvSpPr>
         <p:spPr>
           <a:xfrm>
-            <a:off x="2200994" y="6725988"/>
-            <a:ext cx="503664" cy="246221"/>
+            <a:off x="2314353" y="6748603"/>
+            <a:ext cx="1596912" cy="192360"/>
           </a:xfrm>
           <a:prstGeom prst="rect">
             <a:avLst/>
@@ -12262,209 +11926,13 @@
           <a:lstStyle/>
           <a:p>
             <a:r>
-              <a:rPr kumimoji="1" lang="en-US" altLang="ja-JP" sz="1000" dirty="0">
+              <a:rPr kumimoji="1" lang="en-US" altLang="ja-JP" sz="650" dirty="0">
                 <a:latin typeface="Arial" panose="020B0604020202020204" pitchFamily="34" charset="0"/>
                 <a:cs typeface="Arial" panose="020B0604020202020204" pitchFamily="34" charset="0"/>
               </a:rPr>
-              <a:t>2M99</a:t>
-            </a:r>
-            <a:endParaRPr kumimoji="1" lang="ja-JP" altLang="en-US" sz="1000">
-              <a:latin typeface="Arial" panose="020B0604020202020204" pitchFamily="34" charset="0"/>
-              <a:cs typeface="Arial" panose="020B0604020202020204" pitchFamily="34" charset="0"/>
-            </a:endParaRPr>
-          </a:p>
-        </p:txBody>
-      </p:sp>
-      <p:sp>
-        <p:nvSpPr>
-          <p:cNvPr id="2" name="テキスト ボックス 1">
-            <a:extLst>
-              <a:ext uri="{FF2B5EF4-FFF2-40B4-BE49-F238E27FC236}">
-                <a16:creationId xmlns:a16="http://schemas.microsoft.com/office/drawing/2014/main" id="{D1EA848C-A801-A6E0-6CF9-806162264267}"/>
-              </a:ext>
-            </a:extLst>
-          </p:cNvPr>
-          <p:cNvSpPr txBox="1"/>
-          <p:nvPr/>
-        </p:nvSpPr>
-        <p:spPr>
-          <a:xfrm>
-            <a:off x="2510820" y="215814"/>
-            <a:ext cx="821059" cy="215444"/>
-          </a:xfrm>
-          <a:prstGeom prst="rect">
-            <a:avLst/>
-          </a:prstGeom>
-          <a:noFill/>
-        </p:spPr>
-        <p:txBody>
-          <a:bodyPr wrap="none" rtlCol="0">
-            <a:spAutoFit/>
-          </a:bodyPr>
-          <a:lstStyle/>
-          <a:p>
-            <a:r>
-              <a:rPr lang="en-US" altLang="ja-JP" sz="800" dirty="0">
-                <a:latin typeface="Arial" panose="020B0604020202020204" pitchFamily="34" charset="0"/>
-                <a:cs typeface="Arial" panose="020B0604020202020204" pitchFamily="34" charset="0"/>
-              </a:rPr>
-              <a:t>d</a:t>
-            </a:r>
-            <a:r>
-              <a:rPr kumimoji="1" lang="en-US" altLang="ja-JP" sz="800" dirty="0">
-                <a:latin typeface="Arial" panose="020B0604020202020204" pitchFamily="34" charset="0"/>
-                <a:cs typeface="Arial" panose="020B0604020202020204" pitchFamily="34" charset="0"/>
-              </a:rPr>
-              <a:t>ocking score</a:t>
-            </a:r>
-            <a:endParaRPr kumimoji="1" lang="ja-JP" altLang="en-US" sz="800">
-              <a:latin typeface="Arial" panose="020B0604020202020204" pitchFamily="34" charset="0"/>
-              <a:cs typeface="Arial" panose="020B0604020202020204" pitchFamily="34" charset="0"/>
-            </a:endParaRPr>
-          </a:p>
-        </p:txBody>
-      </p:sp>
-      <p:sp>
-        <p:nvSpPr>
-          <p:cNvPr id="4" name="テキスト ボックス 3">
-            <a:extLst>
-              <a:ext uri="{FF2B5EF4-FFF2-40B4-BE49-F238E27FC236}">
-                <a16:creationId xmlns:a16="http://schemas.microsoft.com/office/drawing/2014/main" id="{EFE0410A-1670-0FBA-8EC7-CFB5A99DB946}"/>
-              </a:ext>
-            </a:extLst>
-          </p:cNvPr>
-          <p:cNvSpPr txBox="1"/>
-          <p:nvPr/>
-        </p:nvSpPr>
-        <p:spPr>
-          <a:xfrm>
-            <a:off x="2488047" y="1815477"/>
-            <a:ext cx="821059" cy="215444"/>
-          </a:xfrm>
-          <a:prstGeom prst="rect">
-            <a:avLst/>
-          </a:prstGeom>
-          <a:noFill/>
-        </p:spPr>
-        <p:txBody>
-          <a:bodyPr wrap="none" rtlCol="0">
-            <a:spAutoFit/>
-          </a:bodyPr>
-          <a:lstStyle/>
-          <a:p>
-            <a:r>
-              <a:rPr lang="en-US" altLang="ja-JP" sz="800" dirty="0">
-                <a:latin typeface="Arial" panose="020B0604020202020204" pitchFamily="34" charset="0"/>
-                <a:cs typeface="Arial" panose="020B0604020202020204" pitchFamily="34" charset="0"/>
-              </a:rPr>
-              <a:t>d</a:t>
-            </a:r>
-            <a:r>
-              <a:rPr kumimoji="1" lang="en-US" altLang="ja-JP" sz="800" dirty="0">
-                <a:latin typeface="Arial" panose="020B0604020202020204" pitchFamily="34" charset="0"/>
-                <a:cs typeface="Arial" panose="020B0604020202020204" pitchFamily="34" charset="0"/>
-              </a:rPr>
-              <a:t>ocking score</a:t>
-            </a:r>
-            <a:endParaRPr kumimoji="1" lang="ja-JP" altLang="en-US" sz="800">
-              <a:latin typeface="Arial" panose="020B0604020202020204" pitchFamily="34" charset="0"/>
-              <a:cs typeface="Arial" panose="020B0604020202020204" pitchFamily="34" charset="0"/>
-            </a:endParaRPr>
-          </a:p>
-        </p:txBody>
-      </p:sp>
-      <p:sp>
-        <p:nvSpPr>
-          <p:cNvPr id="6" name="テキスト ボックス 5">
-            <a:extLst>
-              <a:ext uri="{FF2B5EF4-FFF2-40B4-BE49-F238E27FC236}">
-                <a16:creationId xmlns:a16="http://schemas.microsoft.com/office/drawing/2014/main" id="{879E4490-A5A2-0B93-1A55-504004853072}"/>
-              </a:ext>
-            </a:extLst>
-          </p:cNvPr>
-          <p:cNvSpPr txBox="1"/>
-          <p:nvPr/>
-        </p:nvSpPr>
-        <p:spPr>
-          <a:xfrm>
-            <a:off x="2499765" y="4992990"/>
-            <a:ext cx="821059" cy="215444"/>
-          </a:xfrm>
-          <a:prstGeom prst="rect">
-            <a:avLst/>
-          </a:prstGeom>
-          <a:noFill/>
-        </p:spPr>
-        <p:txBody>
-          <a:bodyPr wrap="none" rtlCol="0">
-            <a:spAutoFit/>
-          </a:bodyPr>
-          <a:lstStyle/>
-          <a:p>
-            <a:r>
-              <a:rPr lang="en-US" altLang="ja-JP" sz="800" dirty="0">
-                <a:latin typeface="Arial" panose="020B0604020202020204" pitchFamily="34" charset="0"/>
-                <a:cs typeface="Arial" panose="020B0604020202020204" pitchFamily="34" charset="0"/>
-              </a:rPr>
-              <a:t>d</a:t>
-            </a:r>
-            <a:r>
-              <a:rPr kumimoji="1" lang="en-US" altLang="ja-JP" sz="800" dirty="0">
-                <a:latin typeface="Arial" panose="020B0604020202020204" pitchFamily="34" charset="0"/>
-                <a:cs typeface="Arial" panose="020B0604020202020204" pitchFamily="34" charset="0"/>
-              </a:rPr>
-              <a:t>ocking score</a:t>
-            </a:r>
-            <a:endParaRPr kumimoji="1" lang="ja-JP" altLang="en-US" sz="800">
-              <a:latin typeface="Arial" panose="020B0604020202020204" pitchFamily="34" charset="0"/>
-              <a:cs typeface="Arial" panose="020B0604020202020204" pitchFamily="34" charset="0"/>
-            </a:endParaRPr>
-          </a:p>
-        </p:txBody>
-      </p:sp>
-      <p:sp>
-        <p:nvSpPr>
-          <p:cNvPr id="8" name="テキスト ボックス 7">
-            <a:extLst>
-              <a:ext uri="{FF2B5EF4-FFF2-40B4-BE49-F238E27FC236}">
-                <a16:creationId xmlns:a16="http://schemas.microsoft.com/office/drawing/2014/main" id="{46F15851-6286-9910-3DDB-5CD3D5B1B766}"/>
-              </a:ext>
-            </a:extLst>
-          </p:cNvPr>
-          <p:cNvSpPr txBox="1"/>
-          <p:nvPr/>
-        </p:nvSpPr>
-        <p:spPr>
-          <a:xfrm>
-            <a:off x="2510820" y="3413119"/>
-            <a:ext cx="821059" cy="215444"/>
-          </a:xfrm>
-          <a:prstGeom prst="rect">
-            <a:avLst/>
-          </a:prstGeom>
-          <a:noFill/>
-        </p:spPr>
-        <p:txBody>
-          <a:bodyPr wrap="none" rtlCol="0">
-            <a:spAutoFit/>
-          </a:bodyPr>
-          <a:lstStyle/>
-          <a:p>
-            <a:r>
-              <a:rPr lang="en-US" altLang="ja-JP" sz="800" dirty="0">
-                <a:latin typeface="Arial" panose="020B0604020202020204" pitchFamily="34" charset="0"/>
-                <a:cs typeface="Arial" panose="020B0604020202020204" pitchFamily="34" charset="0"/>
-              </a:rPr>
-              <a:t>d</a:t>
-            </a:r>
-            <a:r>
-              <a:rPr kumimoji="1" lang="en-US" altLang="ja-JP" sz="800" dirty="0">
-                <a:latin typeface="Arial" panose="020B0604020202020204" pitchFamily="34" charset="0"/>
-                <a:cs typeface="Arial" panose="020B0604020202020204" pitchFamily="34" charset="0"/>
-              </a:rPr>
-              <a:t>ocking score</a:t>
-            </a:r>
-            <a:endParaRPr kumimoji="1" lang="ja-JP" altLang="en-US" sz="800">
+              <a:t>Chymotrypsin inhibitor (PDB ID 2M99)</a:t>
+            </a:r>
+            <a:endParaRPr kumimoji="1" lang="ja-JP" altLang="en-US" sz="650">
               <a:latin typeface="Arial" panose="020B0604020202020204" pitchFamily="34" charset="0"/>
               <a:cs typeface="Arial" panose="020B0604020202020204" pitchFamily="34" charset="0"/>
             </a:endParaRPr>
@@ -12485,7 +11953,7 @@
         </p:nvSpPr>
         <p:spPr>
           <a:xfrm>
-            <a:off x="4869051" y="3414602"/>
+            <a:off x="5599686" y="3583941"/>
             <a:ext cx="821059" cy="215444"/>
           </a:xfrm>
           <a:prstGeom prst="rect">
@@ -12534,56 +12002,7 @@
         </p:nvSpPr>
         <p:spPr>
           <a:xfrm>
-            <a:off x="4859705" y="4988081"/>
-            <a:ext cx="821059" cy="215444"/>
-          </a:xfrm>
-          <a:prstGeom prst="rect">
-            <a:avLst/>
-          </a:prstGeom>
-          <a:noFill/>
-        </p:spPr>
-        <p:txBody>
-          <a:bodyPr wrap="none" rtlCol="0">
-            <a:spAutoFit/>
-          </a:bodyPr>
-          <a:lstStyle/>
-          <a:p>
-            <a:r>
-              <a:rPr lang="en-US" altLang="ja-JP" sz="800" dirty="0">
-                <a:latin typeface="Arial" panose="020B0604020202020204" pitchFamily="34" charset="0"/>
-                <a:cs typeface="Arial" panose="020B0604020202020204" pitchFamily="34" charset="0"/>
-              </a:rPr>
-              <a:t>d</a:t>
-            </a:r>
-            <a:r>
-              <a:rPr kumimoji="1" lang="en-US" altLang="ja-JP" sz="800" dirty="0">
-                <a:latin typeface="Arial" panose="020B0604020202020204" pitchFamily="34" charset="0"/>
-                <a:cs typeface="Arial" panose="020B0604020202020204" pitchFamily="34" charset="0"/>
-              </a:rPr>
-              <a:t>ocking score</a:t>
-            </a:r>
-            <a:endParaRPr kumimoji="1" lang="ja-JP" altLang="en-US" sz="800">
-              <a:latin typeface="Arial" panose="020B0604020202020204" pitchFamily="34" charset="0"/>
-              <a:cs typeface="Arial" panose="020B0604020202020204" pitchFamily="34" charset="0"/>
-            </a:endParaRPr>
-          </a:p>
-        </p:txBody>
-      </p:sp>
-      <p:sp>
-        <p:nvSpPr>
-          <p:cNvPr id="14" name="テキスト ボックス 13">
-            <a:extLst>
-              <a:ext uri="{FF2B5EF4-FFF2-40B4-BE49-F238E27FC236}">
-                <a16:creationId xmlns:a16="http://schemas.microsoft.com/office/drawing/2014/main" id="{EA08BA4E-ABCF-DC5D-6FFA-7B0007B8448E}"/>
-              </a:ext>
-            </a:extLst>
-          </p:cNvPr>
-          <p:cNvSpPr txBox="1"/>
-          <p:nvPr/>
-        </p:nvSpPr>
-        <p:spPr>
-          <a:xfrm>
-            <a:off x="6013433" y="6759521"/>
+            <a:off x="5590340" y="5157420"/>
             <a:ext cx="821059" cy="215444"/>
           </a:xfrm>
           <a:prstGeom prst="rect">
@@ -12632,105 +12051,7 @@
         </p:nvSpPr>
         <p:spPr>
           <a:xfrm>
-            <a:off x="4881507" y="215814"/>
-            <a:ext cx="821059" cy="215444"/>
-          </a:xfrm>
-          <a:prstGeom prst="rect">
-            <a:avLst/>
-          </a:prstGeom>
-          <a:noFill/>
-        </p:spPr>
-        <p:txBody>
-          <a:bodyPr wrap="none" rtlCol="0">
-            <a:spAutoFit/>
-          </a:bodyPr>
-          <a:lstStyle/>
-          <a:p>
-            <a:r>
-              <a:rPr lang="en-US" altLang="ja-JP" sz="800" dirty="0">
-                <a:latin typeface="Arial" panose="020B0604020202020204" pitchFamily="34" charset="0"/>
-                <a:cs typeface="Arial" panose="020B0604020202020204" pitchFamily="34" charset="0"/>
-              </a:rPr>
-              <a:t>d</a:t>
-            </a:r>
-            <a:r>
-              <a:rPr kumimoji="1" lang="en-US" altLang="ja-JP" sz="800" dirty="0">
-                <a:latin typeface="Arial" panose="020B0604020202020204" pitchFamily="34" charset="0"/>
-                <a:cs typeface="Arial" panose="020B0604020202020204" pitchFamily="34" charset="0"/>
-              </a:rPr>
-              <a:t>ocking score</a:t>
-            </a:r>
-            <a:endParaRPr kumimoji="1" lang="ja-JP" altLang="en-US" sz="800">
-              <a:latin typeface="Arial" panose="020B0604020202020204" pitchFamily="34" charset="0"/>
-              <a:cs typeface="Arial" panose="020B0604020202020204" pitchFamily="34" charset="0"/>
-            </a:endParaRPr>
-          </a:p>
-        </p:txBody>
-      </p:sp>
-      <p:sp>
-        <p:nvSpPr>
-          <p:cNvPr id="22" name="テキスト ボックス 21">
-            <a:extLst>
-              <a:ext uri="{FF2B5EF4-FFF2-40B4-BE49-F238E27FC236}">
-                <a16:creationId xmlns:a16="http://schemas.microsoft.com/office/drawing/2014/main" id="{1C0027AC-368D-82E9-A30A-66857A018AFC}"/>
-              </a:ext>
-            </a:extLst>
-          </p:cNvPr>
-          <p:cNvSpPr txBox="1"/>
-          <p:nvPr/>
-        </p:nvSpPr>
-        <p:spPr>
-          <a:xfrm>
-            <a:off x="1467210" y="6774021"/>
-            <a:ext cx="821059" cy="215444"/>
-          </a:xfrm>
-          <a:prstGeom prst="rect">
-            <a:avLst/>
-          </a:prstGeom>
-          <a:noFill/>
-        </p:spPr>
-        <p:txBody>
-          <a:bodyPr wrap="none" rtlCol="0">
-            <a:spAutoFit/>
-          </a:bodyPr>
-          <a:lstStyle/>
-          <a:p>
-            <a:r>
-              <a:rPr lang="en-US" altLang="ja-JP" sz="800" dirty="0">
-                <a:latin typeface="Arial" panose="020B0604020202020204" pitchFamily="34" charset="0"/>
-                <a:cs typeface="Arial" panose="020B0604020202020204" pitchFamily="34" charset="0"/>
-              </a:rPr>
-              <a:t>d</a:t>
-            </a:r>
-            <a:r>
-              <a:rPr kumimoji="1" lang="en-US" altLang="ja-JP" sz="800" dirty="0">
-                <a:latin typeface="Arial" panose="020B0604020202020204" pitchFamily="34" charset="0"/>
-                <a:cs typeface="Arial" panose="020B0604020202020204" pitchFamily="34" charset="0"/>
-              </a:rPr>
-              <a:t>ocking score</a:t>
-            </a:r>
-            <a:endParaRPr kumimoji="1" lang="ja-JP" altLang="en-US" sz="800">
-              <a:latin typeface="Arial" panose="020B0604020202020204" pitchFamily="34" charset="0"/>
-              <a:cs typeface="Arial" panose="020B0604020202020204" pitchFamily="34" charset="0"/>
-            </a:endParaRPr>
-          </a:p>
-        </p:txBody>
-      </p:sp>
-      <p:sp>
-        <p:nvSpPr>
-          <p:cNvPr id="24" name="テキスト ボックス 23">
-            <a:extLst>
-              <a:ext uri="{FF2B5EF4-FFF2-40B4-BE49-F238E27FC236}">
-                <a16:creationId xmlns:a16="http://schemas.microsoft.com/office/drawing/2014/main" id="{85E05ADA-5370-F436-3738-5A5D8D86D59A}"/>
-              </a:ext>
-            </a:extLst>
-          </p:cNvPr>
-          <p:cNvSpPr txBox="1"/>
-          <p:nvPr/>
-        </p:nvSpPr>
-        <p:spPr>
-          <a:xfrm>
-            <a:off x="3697649" y="6774021"/>
+            <a:off x="5525743" y="385153"/>
             <a:ext cx="821059" cy="215444"/>
           </a:xfrm>
           <a:prstGeom prst="rect">
@@ -12851,48 +12172,6 @@
       </p:sp>
       <p:sp>
         <p:nvSpPr>
-          <p:cNvPr id="26" name="テキスト ボックス 25">
-            <a:extLst>
-              <a:ext uri="{FF2B5EF4-FFF2-40B4-BE49-F238E27FC236}">
-                <a16:creationId xmlns:a16="http://schemas.microsoft.com/office/drawing/2014/main" id="{6C44C3BA-98D6-CA74-072D-F22DCF797931}"/>
-              </a:ext>
-            </a:extLst>
-          </p:cNvPr>
-          <p:cNvSpPr txBox="1"/>
-          <p:nvPr/>
-        </p:nvSpPr>
-        <p:spPr>
-          <a:xfrm>
-            <a:off x="3395920" y="1795080"/>
-            <a:ext cx="526106" cy="246221"/>
-          </a:xfrm>
-          <a:prstGeom prst="rect">
-            <a:avLst/>
-          </a:prstGeom>
-          <a:noFill/>
-        </p:spPr>
-        <p:txBody>
-          <a:bodyPr wrap="none" rtlCol="0">
-            <a:spAutoFit/>
-          </a:bodyPr>
-          <a:lstStyle/>
-          <a:p>
-            <a:r>
-              <a:rPr kumimoji="1" lang="en-US" altLang="ja-JP" sz="1000" dirty="0">
-                <a:latin typeface="Arial" panose="020B0604020202020204" pitchFamily="34" charset="0"/>
-                <a:cs typeface="Arial" panose="020B0604020202020204" pitchFamily="34" charset="0"/>
-              </a:rPr>
-              <a:t>1M1C</a:t>
-            </a:r>
-            <a:endParaRPr kumimoji="1" lang="ja-JP" altLang="en-US" sz="1000">
-              <a:latin typeface="Arial" panose="020B0604020202020204" pitchFamily="34" charset="0"/>
-              <a:cs typeface="Arial" panose="020B0604020202020204" pitchFamily="34" charset="0"/>
-            </a:endParaRPr>
-          </a:p>
-        </p:txBody>
-      </p:sp>
-      <p:sp>
-        <p:nvSpPr>
           <p:cNvPr id="27" name="テキスト ボックス 26">
             <a:extLst>
               <a:ext uri="{FF2B5EF4-FFF2-40B4-BE49-F238E27FC236}">
@@ -12905,7 +12184,7 @@
         </p:nvSpPr>
         <p:spPr>
           <a:xfrm>
-            <a:off x="4894032" y="1817866"/>
+            <a:off x="5538268" y="1987205"/>
             <a:ext cx="821059" cy="215444"/>
           </a:xfrm>
           <a:prstGeom prst="rect">
@@ -13300,6 +12579,482 @@
           </a:prstGeom>
         </p:spPr>
       </p:pic>
+      <p:sp>
+        <p:nvSpPr>
+          <p:cNvPr id="3" name="テキスト ボックス 2">
+            <a:extLst>
+              <a:ext uri="{FF2B5EF4-FFF2-40B4-BE49-F238E27FC236}">
+                <a16:creationId xmlns:a16="http://schemas.microsoft.com/office/drawing/2014/main" id="{069CADD8-8031-3254-DF4B-8E5F3B4256BB}"/>
+              </a:ext>
+            </a:extLst>
+          </p:cNvPr>
+          <p:cNvSpPr txBox="1"/>
+          <p:nvPr/>
+        </p:nvSpPr>
+        <p:spPr>
+          <a:xfrm>
+            <a:off x="1023081" y="215814"/>
+            <a:ext cx="1927131" cy="192360"/>
+          </a:xfrm>
+          <a:prstGeom prst="rect">
+            <a:avLst/>
+          </a:prstGeom>
+          <a:noFill/>
+        </p:spPr>
+        <p:txBody>
+          <a:bodyPr wrap="none" rtlCol="0">
+            <a:spAutoFit/>
+          </a:bodyPr>
+          <a:lstStyle/>
+          <a:p>
+            <a:r>
+              <a:rPr lang="en" altLang="ja-JP" sz="650" dirty="0">
+                <a:latin typeface="Arial" panose="020B0604020202020204" pitchFamily="34" charset="0"/>
+                <a:cs typeface="Arial" panose="020B0604020202020204" pitchFamily="34" charset="0"/>
+              </a:rPr>
+              <a:t>S</a:t>
+            </a:r>
+            <a:r>
+              <a:rPr kumimoji="1" lang="en" altLang="ja-JP" sz="650" dirty="0">
+                <a:latin typeface="Arial" panose="020B0604020202020204" pitchFamily="34" charset="0"/>
+                <a:cs typeface="Arial" panose="020B0604020202020204" pitchFamily="34" charset="0"/>
+              </a:rPr>
+              <a:t>atellite tobacco necrosis virus (PDB ID 2BUK)</a:t>
+            </a:r>
+            <a:endParaRPr kumimoji="1" lang="ja-JP" altLang="en-US" sz="650">
+              <a:latin typeface="Arial" panose="020B0604020202020204" pitchFamily="34" charset="0"/>
+              <a:cs typeface="Arial" panose="020B0604020202020204" pitchFamily="34" charset="0"/>
+            </a:endParaRPr>
+          </a:p>
+        </p:txBody>
+      </p:sp>
+      <p:sp>
+        <p:nvSpPr>
+          <p:cNvPr id="5" name="テキスト ボックス 4">
+            <a:extLst>
+              <a:ext uri="{FF2B5EF4-FFF2-40B4-BE49-F238E27FC236}">
+                <a16:creationId xmlns:a16="http://schemas.microsoft.com/office/drawing/2014/main" id="{03EDB4FD-19F4-753F-B686-AAA28084D028}"/>
+              </a:ext>
+            </a:extLst>
+          </p:cNvPr>
+          <p:cNvSpPr txBox="1"/>
+          <p:nvPr/>
+        </p:nvSpPr>
+        <p:spPr>
+          <a:xfrm>
+            <a:off x="985261" y="1826719"/>
+            <a:ext cx="1462260" cy="192360"/>
+          </a:xfrm>
+          <a:prstGeom prst="rect">
+            <a:avLst/>
+          </a:prstGeom>
+          <a:noFill/>
+        </p:spPr>
+        <p:txBody>
+          <a:bodyPr wrap="none" rtlCol="0">
+            <a:spAutoFit/>
+          </a:bodyPr>
+          <a:lstStyle/>
+          <a:p>
+            <a:r>
+              <a:rPr lang="en" altLang="ja-JP" sz="650" dirty="0">
+                <a:latin typeface="Arial" panose="020B0604020202020204" pitchFamily="34" charset="0"/>
+                <a:cs typeface="Arial" panose="020B0604020202020204" pitchFamily="34" charset="0"/>
+              </a:rPr>
+              <a:t>STNV coat protein (PDB ID 4V4M)</a:t>
+            </a:r>
+            <a:endParaRPr kumimoji="1" lang="ja-JP" altLang="en-US" sz="650">
+              <a:latin typeface="Arial" panose="020B0604020202020204" pitchFamily="34" charset="0"/>
+              <a:cs typeface="Arial" panose="020B0604020202020204" pitchFamily="34" charset="0"/>
+            </a:endParaRPr>
+          </a:p>
+        </p:txBody>
+      </p:sp>
+      <p:sp>
+        <p:nvSpPr>
+          <p:cNvPr id="7" name="テキスト ボックス 6">
+            <a:extLst>
+              <a:ext uri="{FF2B5EF4-FFF2-40B4-BE49-F238E27FC236}">
+                <a16:creationId xmlns:a16="http://schemas.microsoft.com/office/drawing/2014/main" id="{69052123-1AAD-F2B5-4F36-72FB17858CC2}"/>
+              </a:ext>
+            </a:extLst>
+          </p:cNvPr>
+          <p:cNvSpPr txBox="1"/>
+          <p:nvPr/>
+        </p:nvSpPr>
+        <p:spPr>
+          <a:xfrm>
+            <a:off x="985261" y="3431872"/>
+            <a:ext cx="2432076" cy="192360"/>
+          </a:xfrm>
+          <a:prstGeom prst="rect">
+            <a:avLst/>
+          </a:prstGeom>
+          <a:noFill/>
+        </p:spPr>
+        <p:txBody>
+          <a:bodyPr wrap="none" rtlCol="0">
+            <a:spAutoFit/>
+          </a:bodyPr>
+          <a:lstStyle/>
+          <a:p>
+            <a:r>
+              <a:rPr lang="en" altLang="ja-JP" sz="650" dirty="0">
+                <a:latin typeface="Arial" panose="020B0604020202020204" pitchFamily="34" charset="0"/>
+                <a:cs typeface="Arial" panose="020B0604020202020204" pitchFamily="34" charset="0"/>
+              </a:rPr>
+              <a:t>Model of </a:t>
+            </a:r>
+            <a:r>
+              <a:rPr lang="en" altLang="ja-JP" sz="650" dirty="0" err="1">
+                <a:latin typeface="Arial" panose="020B0604020202020204" pitchFamily="34" charset="0"/>
+                <a:cs typeface="Arial" panose="020B0604020202020204" pitchFamily="34" charset="0"/>
+              </a:rPr>
+              <a:t>Haliangium</a:t>
+            </a:r>
+            <a:r>
+              <a:rPr lang="en" altLang="ja-JP" sz="650" dirty="0">
+                <a:latin typeface="Arial" panose="020B0604020202020204" pitchFamily="34" charset="0"/>
+                <a:cs typeface="Arial" panose="020B0604020202020204" pitchFamily="34" charset="0"/>
+              </a:rPr>
+              <a:t> </a:t>
+            </a:r>
+            <a:r>
+              <a:rPr lang="en" altLang="ja-JP" sz="650" dirty="0" err="1">
+                <a:latin typeface="Arial" panose="020B0604020202020204" pitchFamily="34" charset="0"/>
+                <a:cs typeface="Arial" panose="020B0604020202020204" pitchFamily="34" charset="0"/>
+              </a:rPr>
+              <a:t>ochraceum</a:t>
+            </a:r>
+            <a:r>
+              <a:rPr lang="en" altLang="ja-JP" sz="650" dirty="0">
+                <a:latin typeface="Arial" panose="020B0604020202020204" pitchFamily="34" charset="0"/>
+                <a:cs typeface="Arial" panose="020B0604020202020204" pitchFamily="34" charset="0"/>
+              </a:rPr>
+              <a:t> </a:t>
+            </a:r>
+            <a:r>
+              <a:rPr lang="en" altLang="ja-JP" sz="650" dirty="0" err="1">
+                <a:latin typeface="Arial" panose="020B0604020202020204" pitchFamily="34" charset="0"/>
+                <a:cs typeface="Arial" panose="020B0604020202020204" pitchFamily="34" charset="0"/>
+              </a:rPr>
+              <a:t>encapsulin</a:t>
+            </a:r>
+            <a:r>
+              <a:rPr lang="en" altLang="ja-JP" sz="650" dirty="0">
+                <a:latin typeface="Arial" panose="020B0604020202020204" pitchFamily="34" charset="0"/>
+                <a:cs typeface="Arial" panose="020B0604020202020204" pitchFamily="34" charset="0"/>
+              </a:rPr>
+              <a:t> (PDB ID 7ODW)</a:t>
+            </a:r>
+            <a:endParaRPr kumimoji="1" lang="ja-JP" altLang="en-US" sz="650">
+              <a:latin typeface="Arial" panose="020B0604020202020204" pitchFamily="34" charset="0"/>
+              <a:cs typeface="Arial" panose="020B0604020202020204" pitchFamily="34" charset="0"/>
+            </a:endParaRPr>
+          </a:p>
+        </p:txBody>
+      </p:sp>
+      <p:sp>
+        <p:nvSpPr>
+          <p:cNvPr id="9" name="テキスト ボックス 8">
+            <a:extLst>
+              <a:ext uri="{FF2B5EF4-FFF2-40B4-BE49-F238E27FC236}">
+                <a16:creationId xmlns:a16="http://schemas.microsoft.com/office/drawing/2014/main" id="{5512D0DA-AC64-6326-0F1B-C8835C32D01C}"/>
+              </a:ext>
+            </a:extLst>
+          </p:cNvPr>
+          <p:cNvSpPr txBox="1"/>
+          <p:nvPr/>
+        </p:nvSpPr>
+        <p:spPr>
+          <a:xfrm>
+            <a:off x="1053461" y="4999924"/>
+            <a:ext cx="1872629" cy="192360"/>
+          </a:xfrm>
+          <a:prstGeom prst="rect">
+            <a:avLst/>
+          </a:prstGeom>
+          <a:noFill/>
+        </p:spPr>
+        <p:txBody>
+          <a:bodyPr wrap="none" rtlCol="0">
+            <a:spAutoFit/>
+          </a:bodyPr>
+          <a:lstStyle/>
+          <a:p>
+            <a:r>
+              <a:rPr lang="en" altLang="ja-JP" sz="650" dirty="0">
+                <a:latin typeface="Arial" panose="020B0604020202020204" pitchFamily="34" charset="0"/>
+                <a:cs typeface="Arial" panose="020B0604020202020204" pitchFamily="34" charset="0"/>
+              </a:rPr>
+              <a:t>Faba bean necrotic stunt virus (PDB ID 6S44)</a:t>
+            </a:r>
+            <a:endParaRPr kumimoji="1" lang="ja-JP" altLang="en-US" sz="650">
+              <a:latin typeface="Arial" panose="020B0604020202020204" pitchFamily="34" charset="0"/>
+              <a:cs typeface="Arial" panose="020B0604020202020204" pitchFamily="34" charset="0"/>
+            </a:endParaRPr>
+          </a:p>
+        </p:txBody>
+      </p:sp>
+      <p:sp>
+        <p:nvSpPr>
+          <p:cNvPr id="11" name="テキスト ボックス 10">
+            <a:extLst>
+              <a:ext uri="{FF2B5EF4-FFF2-40B4-BE49-F238E27FC236}">
+                <a16:creationId xmlns:a16="http://schemas.microsoft.com/office/drawing/2014/main" id="{D6A671EC-F633-70CA-6996-8CAD3158B2D9}"/>
+              </a:ext>
+            </a:extLst>
+          </p:cNvPr>
+          <p:cNvSpPr txBox="1"/>
+          <p:nvPr/>
+        </p:nvSpPr>
+        <p:spPr>
+          <a:xfrm>
+            <a:off x="3387540" y="208848"/>
+            <a:ext cx="1612942" cy="192360"/>
+          </a:xfrm>
+          <a:prstGeom prst="rect">
+            <a:avLst/>
+          </a:prstGeom>
+          <a:noFill/>
+        </p:spPr>
+        <p:txBody>
+          <a:bodyPr wrap="none" rtlCol="0">
+            <a:spAutoFit/>
+          </a:bodyPr>
+          <a:lstStyle/>
+          <a:p>
+            <a:r>
+              <a:rPr lang="en" altLang="ja-JP" sz="650" dirty="0" err="1">
+                <a:latin typeface="Arial" panose="020B0604020202020204" pitchFamily="34" charset="0"/>
+                <a:cs typeface="Arial" panose="020B0604020202020204" pitchFamily="34" charset="0"/>
+              </a:rPr>
+              <a:t>Sesbanian</a:t>
+            </a:r>
+            <a:r>
+              <a:rPr lang="en" altLang="ja-JP" sz="650" dirty="0">
+                <a:latin typeface="Arial" panose="020B0604020202020204" pitchFamily="34" charset="0"/>
+                <a:cs typeface="Arial" panose="020B0604020202020204" pitchFamily="34" charset="0"/>
+              </a:rPr>
+              <a:t> mosaic virus capsid (1VB4)</a:t>
+            </a:r>
+            <a:endParaRPr kumimoji="1" lang="ja-JP" altLang="en-US" sz="650">
+              <a:latin typeface="Arial" panose="020B0604020202020204" pitchFamily="34" charset="0"/>
+              <a:cs typeface="Arial" panose="020B0604020202020204" pitchFamily="34" charset="0"/>
+            </a:endParaRPr>
+          </a:p>
+        </p:txBody>
+      </p:sp>
+      <p:sp>
+        <p:nvSpPr>
+          <p:cNvPr id="13" name="テキスト ボックス 12">
+            <a:extLst>
+              <a:ext uri="{FF2B5EF4-FFF2-40B4-BE49-F238E27FC236}">
+                <a16:creationId xmlns:a16="http://schemas.microsoft.com/office/drawing/2014/main" id="{E9D1B04F-261A-4D9B-4CF3-D6A36E05A9CB}"/>
+              </a:ext>
+            </a:extLst>
+          </p:cNvPr>
+          <p:cNvSpPr txBox="1"/>
+          <p:nvPr/>
+        </p:nvSpPr>
+        <p:spPr>
+          <a:xfrm>
+            <a:off x="4488595" y="1271589"/>
+            <a:ext cx="1045479" cy="184666"/>
+          </a:xfrm>
+          <a:prstGeom prst="rect">
+            <a:avLst/>
+          </a:prstGeom>
+          <a:noFill/>
+        </p:spPr>
+        <p:txBody>
+          <a:bodyPr wrap="none" rtlCol="0">
+            <a:spAutoFit/>
+          </a:bodyPr>
+          <a:lstStyle/>
+          <a:p>
+            <a:r>
+              <a:rPr lang="en" altLang="ja-JP" sz="600" dirty="0">
+                <a:latin typeface="Arial" panose="020B0604020202020204" pitchFamily="34" charset="0"/>
+                <a:cs typeface="Arial" panose="020B0604020202020204" pitchFamily="34" charset="0"/>
+              </a:rPr>
+              <a:t>L-A virus (PDB ID 1M1C)</a:t>
+            </a:r>
+            <a:endParaRPr kumimoji="1" lang="ja-JP" altLang="en-US" sz="600">
+              <a:latin typeface="Arial" panose="020B0604020202020204" pitchFamily="34" charset="0"/>
+              <a:cs typeface="Arial" panose="020B0604020202020204" pitchFamily="34" charset="0"/>
+            </a:endParaRPr>
+          </a:p>
+        </p:txBody>
+      </p:sp>
+      <p:sp>
+        <p:nvSpPr>
+          <p:cNvPr id="15" name="テキスト ボックス 14">
+            <a:extLst>
+              <a:ext uri="{FF2B5EF4-FFF2-40B4-BE49-F238E27FC236}">
+                <a16:creationId xmlns:a16="http://schemas.microsoft.com/office/drawing/2014/main" id="{9E1E759F-54BB-7FF6-1C43-36961766A884}"/>
+              </a:ext>
+            </a:extLst>
+          </p:cNvPr>
+          <p:cNvSpPr txBox="1"/>
+          <p:nvPr/>
+        </p:nvSpPr>
+        <p:spPr>
+          <a:xfrm>
+            <a:off x="3413622" y="1829404"/>
+            <a:ext cx="1505540" cy="192360"/>
+          </a:xfrm>
+          <a:prstGeom prst="rect">
+            <a:avLst/>
+          </a:prstGeom>
+          <a:noFill/>
+        </p:spPr>
+        <p:txBody>
+          <a:bodyPr wrap="none" rtlCol="0">
+            <a:spAutoFit/>
+          </a:bodyPr>
+          <a:lstStyle/>
+          <a:p>
+            <a:r>
+              <a:rPr lang="en" altLang="ja-JP" sz="650" dirty="0">
+                <a:latin typeface="Arial" panose="020B0604020202020204" pitchFamily="34" charset="0"/>
+                <a:cs typeface="Arial" panose="020B0604020202020204" pitchFamily="34" charset="0"/>
+              </a:rPr>
+              <a:t>Porcine circovirus 2 (PDB ID 3R0R)</a:t>
+            </a:r>
+            <a:endParaRPr kumimoji="1" lang="ja-JP" altLang="en-US" sz="650">
+              <a:latin typeface="Arial" panose="020B0604020202020204" pitchFamily="34" charset="0"/>
+              <a:cs typeface="Arial" panose="020B0604020202020204" pitchFamily="34" charset="0"/>
+            </a:endParaRPr>
+          </a:p>
+        </p:txBody>
+      </p:sp>
+      <p:sp>
+        <p:nvSpPr>
+          <p:cNvPr id="17" name="テキスト ボックス 16">
+            <a:extLst>
+              <a:ext uri="{FF2B5EF4-FFF2-40B4-BE49-F238E27FC236}">
+                <a16:creationId xmlns:a16="http://schemas.microsoft.com/office/drawing/2014/main" id="{9869759C-CBA2-8360-5A5B-234AB81122FC}"/>
+              </a:ext>
+            </a:extLst>
+          </p:cNvPr>
+          <p:cNvSpPr txBox="1"/>
+          <p:nvPr/>
+        </p:nvSpPr>
+        <p:spPr>
+          <a:xfrm>
+            <a:off x="3382731" y="3433366"/>
+            <a:ext cx="1627369" cy="192360"/>
+          </a:xfrm>
+          <a:prstGeom prst="rect">
+            <a:avLst/>
+          </a:prstGeom>
+          <a:noFill/>
+        </p:spPr>
+        <p:txBody>
+          <a:bodyPr wrap="none" rtlCol="0">
+            <a:spAutoFit/>
+          </a:bodyPr>
+          <a:lstStyle/>
+          <a:p>
+            <a:r>
+              <a:rPr lang="en" altLang="ja-JP" sz="650" dirty="0">
+                <a:latin typeface="Arial" panose="020B0604020202020204" pitchFamily="34" charset="0"/>
+                <a:cs typeface="Arial" panose="020B0604020202020204" pitchFamily="34" charset="0"/>
+              </a:rPr>
+              <a:t>PCV2 virus-like particle (PDB ID 5ZJU)</a:t>
+            </a:r>
+            <a:endParaRPr kumimoji="1" lang="ja-JP" altLang="en-US" sz="650">
+              <a:latin typeface="Arial" panose="020B0604020202020204" pitchFamily="34" charset="0"/>
+              <a:cs typeface="Arial" panose="020B0604020202020204" pitchFamily="34" charset="0"/>
+            </a:endParaRPr>
+          </a:p>
+        </p:txBody>
+      </p:sp>
+      <p:sp>
+        <p:nvSpPr>
+          <p:cNvPr id="21" name="テキスト ボックス 20">
+            <a:extLst>
+              <a:ext uri="{FF2B5EF4-FFF2-40B4-BE49-F238E27FC236}">
+                <a16:creationId xmlns:a16="http://schemas.microsoft.com/office/drawing/2014/main" id="{593CABE3-71A8-5577-DF1F-99B6ACEF7A7C}"/>
+              </a:ext>
+            </a:extLst>
+          </p:cNvPr>
+          <p:cNvSpPr txBox="1"/>
+          <p:nvPr/>
+        </p:nvSpPr>
+        <p:spPr>
+          <a:xfrm>
+            <a:off x="3369246" y="4999924"/>
+            <a:ext cx="1907895" cy="192360"/>
+          </a:xfrm>
+          <a:prstGeom prst="rect">
+            <a:avLst/>
+          </a:prstGeom>
+          <a:noFill/>
+        </p:spPr>
+        <p:txBody>
+          <a:bodyPr wrap="none" rtlCol="0">
+            <a:spAutoFit/>
+          </a:bodyPr>
+          <a:lstStyle/>
+          <a:p>
+            <a:r>
+              <a:rPr lang="en" altLang="ja-JP" sz="650" dirty="0">
+                <a:latin typeface="Arial" panose="020B0604020202020204" pitchFamily="34" charset="0"/>
+                <a:cs typeface="Arial" panose="020B0604020202020204" pitchFamily="34" charset="0"/>
+              </a:rPr>
+              <a:t>Satellite panicum mosaic virus (PDB ID 1STM)</a:t>
+            </a:r>
+            <a:endParaRPr kumimoji="1" lang="ja-JP" altLang="en-US" sz="650">
+              <a:latin typeface="Arial" panose="020B0604020202020204" pitchFamily="34" charset="0"/>
+              <a:cs typeface="Arial" panose="020B0604020202020204" pitchFamily="34" charset="0"/>
+            </a:endParaRPr>
+          </a:p>
+        </p:txBody>
+      </p:sp>
+      <p:sp>
+        <p:nvSpPr>
+          <p:cNvPr id="23" name="テキスト ボックス 22">
+            <a:extLst>
+              <a:ext uri="{FF2B5EF4-FFF2-40B4-BE49-F238E27FC236}">
+                <a16:creationId xmlns:a16="http://schemas.microsoft.com/office/drawing/2014/main" id="{6C28925E-251D-0073-4171-B25313C8105F}"/>
+              </a:ext>
+            </a:extLst>
+          </p:cNvPr>
+          <p:cNvSpPr txBox="1"/>
+          <p:nvPr/>
+        </p:nvSpPr>
+        <p:spPr>
+          <a:xfrm>
+            <a:off x="4503837" y="6741901"/>
+            <a:ext cx="1907895" cy="192360"/>
+          </a:xfrm>
+          <a:prstGeom prst="rect">
+            <a:avLst/>
+          </a:prstGeom>
+          <a:noFill/>
+        </p:spPr>
+        <p:txBody>
+          <a:bodyPr wrap="none" rtlCol="0">
+            <a:spAutoFit/>
+          </a:bodyPr>
+          <a:lstStyle/>
+          <a:p>
+            <a:r>
+              <a:rPr lang="en" altLang="ja-JP" sz="650" dirty="0">
+                <a:latin typeface="Arial" panose="020B0604020202020204" pitchFamily="34" charset="0"/>
+                <a:cs typeface="Arial" panose="020B0604020202020204" pitchFamily="34" charset="0"/>
+              </a:rPr>
+              <a:t>Satellite panicum mosaic virus (PDB ID 1STM)</a:t>
+            </a:r>
+            <a:endParaRPr kumimoji="1" lang="ja-JP" altLang="en-US" sz="650">
+              <a:latin typeface="Arial" panose="020B0604020202020204" pitchFamily="34" charset="0"/>
+              <a:cs typeface="Arial" panose="020B0604020202020204" pitchFamily="34" charset="0"/>
+            </a:endParaRPr>
+          </a:p>
+        </p:txBody>
+      </p:sp>
     </p:spTree>
     <p:extLst>
       <p:ext uri="{BB962C8B-B14F-4D97-AF65-F5344CB8AC3E}">
